--- a/FFmpeg/slides/03/SDL-AUDIO.pptx
+++ b/FFmpeg/slides/03/SDL-AUDIO.pptx
@@ -251,7 +251,7 @@
           <a:p>
             <a:fld id="{5B7542EB-22E3-493C-96B7-C014E841213B}" type="datetimeFigureOut">
               <a:rPr lang="zh-CN" altLang="en-US" smtClean="0"/>
-              <a:t>2016/7/11 Monday</a:t>
+              <a:t>2016/7/11</a:t>
             </a:fld>
             <a:endParaRPr lang="zh-CN" altLang="en-US"/>
           </a:p>
@@ -421,7 +421,7 @@
           <a:p>
             <a:fld id="{5B7542EB-22E3-493C-96B7-C014E841213B}" type="datetimeFigureOut">
               <a:rPr lang="zh-CN" altLang="en-US" smtClean="0"/>
-              <a:t>2016/7/11 Monday</a:t>
+              <a:t>2016/7/11</a:t>
             </a:fld>
             <a:endParaRPr lang="zh-CN" altLang="en-US"/>
           </a:p>
@@ -601,7 +601,7 @@
           <a:p>
             <a:fld id="{5B7542EB-22E3-493C-96B7-C014E841213B}" type="datetimeFigureOut">
               <a:rPr lang="zh-CN" altLang="en-US" smtClean="0"/>
-              <a:t>2016/7/11 Monday</a:t>
+              <a:t>2016/7/11</a:t>
             </a:fld>
             <a:endParaRPr lang="zh-CN" altLang="en-US"/>
           </a:p>
@@ -771,7 +771,7 @@
           <a:p>
             <a:fld id="{5B7542EB-22E3-493C-96B7-C014E841213B}" type="datetimeFigureOut">
               <a:rPr lang="zh-CN" altLang="en-US" smtClean="0"/>
-              <a:t>2016/7/11 Monday</a:t>
+              <a:t>2016/7/11</a:t>
             </a:fld>
             <a:endParaRPr lang="zh-CN" altLang="en-US"/>
           </a:p>
@@ -1017,7 +1017,7 @@
           <a:p>
             <a:fld id="{5B7542EB-22E3-493C-96B7-C014E841213B}" type="datetimeFigureOut">
               <a:rPr lang="zh-CN" altLang="en-US" smtClean="0"/>
-              <a:t>2016/7/11 Monday</a:t>
+              <a:t>2016/7/11</a:t>
             </a:fld>
             <a:endParaRPr lang="zh-CN" altLang="en-US"/>
           </a:p>
@@ -1249,7 +1249,7 @@
           <a:p>
             <a:fld id="{5B7542EB-22E3-493C-96B7-C014E841213B}" type="datetimeFigureOut">
               <a:rPr lang="zh-CN" altLang="en-US" smtClean="0"/>
-              <a:t>2016/7/11 Monday</a:t>
+              <a:t>2016/7/11</a:t>
             </a:fld>
             <a:endParaRPr lang="zh-CN" altLang="en-US"/>
           </a:p>
@@ -1616,7 +1616,7 @@
           <a:p>
             <a:fld id="{5B7542EB-22E3-493C-96B7-C014E841213B}" type="datetimeFigureOut">
               <a:rPr lang="zh-CN" altLang="en-US" smtClean="0"/>
-              <a:t>2016/7/11 Monday</a:t>
+              <a:t>2016/7/11</a:t>
             </a:fld>
             <a:endParaRPr lang="zh-CN" altLang="en-US"/>
           </a:p>
@@ -1734,7 +1734,7 @@
           <a:p>
             <a:fld id="{5B7542EB-22E3-493C-96B7-C014E841213B}" type="datetimeFigureOut">
               <a:rPr lang="zh-CN" altLang="en-US" smtClean="0"/>
-              <a:t>2016/7/11 Monday</a:t>
+              <a:t>2016/7/11</a:t>
             </a:fld>
             <a:endParaRPr lang="zh-CN" altLang="en-US"/>
           </a:p>
@@ -1829,7 +1829,7 @@
           <a:p>
             <a:fld id="{5B7542EB-22E3-493C-96B7-C014E841213B}" type="datetimeFigureOut">
               <a:rPr lang="zh-CN" altLang="en-US" smtClean="0"/>
-              <a:t>2016/7/11 Monday</a:t>
+              <a:t>2016/7/11</a:t>
             </a:fld>
             <a:endParaRPr lang="zh-CN" altLang="en-US"/>
           </a:p>
@@ -2106,7 +2106,7 @@
           <a:p>
             <a:fld id="{5B7542EB-22E3-493C-96B7-C014E841213B}" type="datetimeFigureOut">
               <a:rPr lang="zh-CN" altLang="en-US" smtClean="0"/>
-              <a:t>2016/7/11 Monday</a:t>
+              <a:t>2016/7/11</a:t>
             </a:fld>
             <a:endParaRPr lang="zh-CN" altLang="en-US"/>
           </a:p>
@@ -2359,7 +2359,7 @@
           <a:p>
             <a:fld id="{5B7542EB-22E3-493C-96B7-C014E841213B}" type="datetimeFigureOut">
               <a:rPr lang="zh-CN" altLang="en-US" smtClean="0"/>
-              <a:t>2016/7/11 Monday</a:t>
+              <a:t>2016/7/11</a:t>
             </a:fld>
             <a:endParaRPr lang="zh-CN" altLang="en-US"/>
           </a:p>
@@ -2572,7 +2572,7 @@
           <a:p>
             <a:fld id="{5B7542EB-22E3-493C-96B7-C014E841213B}" type="datetimeFigureOut">
               <a:rPr lang="zh-CN" altLang="en-US" smtClean="0"/>
-              <a:t>2016/7/11 Monday</a:t>
+              <a:t>2016/7/11</a:t>
             </a:fld>
             <a:endParaRPr lang="zh-CN" altLang="en-US"/>
           </a:p>
@@ -3012,16 +3012,16 @@
           </a:bodyPr>
           <a:lstStyle/>
           <a:p>
-            <a:endParaRPr lang="en-US" altLang="zh-CN" smtClean="0"/>
-          </a:p>
-          <a:p>
-            <a:r>
-              <a:rPr lang="en-US" altLang="zh-CN" smtClean="0"/>
+            <a:endParaRPr lang="en-US" altLang="zh-CN" dirty="0" smtClean="0"/>
+          </a:p>
+          <a:p>
+            <a:r>
+              <a:rPr lang="en-US" altLang="zh-CN" dirty="0" smtClean="0"/>
               <a:t>Audio Device</a:t>
             </a:r>
           </a:p>
           <a:p>
-            <a:endParaRPr lang="zh-CN" altLang="en-US"/>
+            <a:endParaRPr lang="zh-CN" altLang="en-US" dirty="0"/>
           </a:p>
         </p:txBody>
       </p:sp>
@@ -3136,10 +3136,10 @@
               <a:lstStyle/>
               <a:p>
                 <a:r>
-                  <a:rPr lang="en-US" altLang="zh-CN" sz="1400" smtClean="0"/>
+                  <a:rPr lang="en-US" altLang="zh-CN" sz="1400" dirty="0" smtClean="0"/>
                   <a:t>Sample</a:t>
                 </a:r>
-                <a:endParaRPr lang="zh-CN" altLang="en-US" sz="1400"/>
+                <a:endParaRPr lang="zh-CN" altLang="en-US" sz="1400" dirty="0"/>
               </a:p>
             </p:txBody>
           </p:sp>
@@ -3181,10 +3181,10 @@
               <a:lstStyle/>
               <a:p>
                 <a:r>
-                  <a:rPr lang="en-US" altLang="zh-CN" sz="1400" smtClean="0"/>
+                  <a:rPr lang="en-US" altLang="zh-CN" sz="1400" dirty="0" smtClean="0"/>
                   <a:t>Sample</a:t>
                 </a:r>
-                <a:endParaRPr lang="zh-CN" altLang="en-US" sz="1400"/>
+                <a:endParaRPr lang="zh-CN" altLang="en-US" sz="1400" dirty="0"/>
               </a:p>
             </p:txBody>
           </p:sp>
@@ -3226,10 +3226,10 @@
               <a:lstStyle/>
               <a:p>
                 <a:r>
-                  <a:rPr lang="en-US" altLang="zh-CN" sz="1400" smtClean="0"/>
+                  <a:rPr lang="en-US" altLang="zh-CN" sz="1400" dirty="0" smtClean="0"/>
                   <a:t>Sample</a:t>
                 </a:r>
-                <a:endParaRPr lang="zh-CN" altLang="en-US" sz="1400"/>
+                <a:endParaRPr lang="zh-CN" altLang="en-US" sz="1400" dirty="0"/>
               </a:p>
             </p:txBody>
           </p:sp>
@@ -3864,18 +3864,18 @@
           <a:lstStyle/>
           <a:p>
             <a:r>
-              <a:rPr lang="en-US" altLang="zh-CN" sz="2800" smtClean="0"/>
+              <a:rPr lang="en-US" altLang="zh-CN" sz="2800" dirty="0" smtClean="0"/>
               <a:t>1. </a:t>
             </a:r>
             <a:r>
-              <a:rPr lang="en-US" altLang="zh-CN" sz="2800">
+              <a:rPr lang="en-US" altLang="zh-CN" sz="2800" dirty="0">
                 <a:solidFill>
                   <a:schemeClr val="accent2"/>
                 </a:solidFill>
               </a:rPr>
               <a:t>buffer_size</a:t>
             </a:r>
-            <a:endParaRPr lang="en-US" altLang="zh-CN" sz="2800" smtClean="0">
+            <a:endParaRPr lang="en-US" altLang="zh-CN" sz="2800" dirty="0" smtClean="0">
               <a:solidFill>
                 <a:schemeClr val="accent2"/>
               </a:solidFill>
@@ -3897,6 +3897,1226 @@
 </file>
 
 <file path=ppt/slides/slide3.xml><?xml version="1.0" encoding="utf-8"?>
+<p:sld xmlns:a="http://schemas.openxmlformats.org/drawingml/2006/main" xmlns:r="http://schemas.openxmlformats.org/officeDocument/2006/relationships" xmlns:p="http://schemas.openxmlformats.org/presentationml/2006/main">
+  <p:cSld>
+    <p:spTree>
+      <p:nvGrpSpPr>
+        <p:cNvPr id="1" name=""/>
+        <p:cNvGrpSpPr/>
+        <p:nvPr/>
+      </p:nvGrpSpPr>
+      <p:grpSpPr>
+        <a:xfrm>
+          <a:off x="0" y="0"/>
+          <a:ext cx="0" cy="0"/>
+          <a:chOff x="0" y="0"/>
+          <a:chExt cx="0" cy="0"/>
+        </a:xfrm>
+      </p:grpSpPr>
+      <p:sp>
+        <p:nvSpPr>
+          <p:cNvPr id="4" name="文本框 3"/>
+          <p:cNvSpPr txBox="1"/>
+          <p:nvPr/>
+        </p:nvSpPr>
+        <p:spPr>
+          <a:xfrm>
+            <a:off x="2993369" y="1242201"/>
+            <a:ext cx="1416222" cy="923330"/>
+          </a:xfrm>
+          <a:prstGeom prst="rect">
+            <a:avLst/>
+          </a:prstGeom>
+        </p:spPr>
+        <p:style>
+          <a:lnRef idx="1">
+            <a:schemeClr val="dk1"/>
+          </a:lnRef>
+          <a:fillRef idx="3">
+            <a:schemeClr val="dk1"/>
+          </a:fillRef>
+          <a:effectRef idx="2">
+            <a:schemeClr val="dk1"/>
+          </a:effectRef>
+          <a:fontRef idx="minor">
+            <a:schemeClr val="lt1"/>
+          </a:fontRef>
+        </p:style>
+        <p:txBody>
+          <a:bodyPr wrap="none" rtlCol="0">
+            <a:spAutoFit/>
+          </a:bodyPr>
+          <a:lstStyle/>
+          <a:p>
+            <a:endParaRPr lang="en-US" altLang="zh-CN" dirty="0" smtClean="0"/>
+          </a:p>
+          <a:p>
+            <a:r>
+              <a:rPr lang="en-US" altLang="zh-CN" dirty="0" smtClean="0"/>
+              <a:t>Audio Device</a:t>
+            </a:r>
+          </a:p>
+          <a:p>
+            <a:endParaRPr lang="zh-CN" altLang="en-US" dirty="0"/>
+          </a:p>
+        </p:txBody>
+      </p:sp>
+      <p:grpSp>
+        <p:nvGrpSpPr>
+          <p:cNvPr id="13" name="组合 12"/>
+          <p:cNvGrpSpPr/>
+          <p:nvPr/>
+        </p:nvGrpSpPr>
+        <p:grpSpPr>
+          <a:xfrm>
+            <a:off x="4848048" y="1380225"/>
+            <a:ext cx="3976778" cy="638355"/>
+            <a:chOff x="3562709" y="2648309"/>
+            <a:chExt cx="3976778" cy="638355"/>
+          </a:xfrm>
+        </p:grpSpPr>
+        <p:grpSp>
+          <p:nvGrpSpPr>
+            <p:cNvPr id="9" name="组合 8"/>
+            <p:cNvGrpSpPr/>
+            <p:nvPr/>
+          </p:nvGrpSpPr>
+          <p:grpSpPr>
+            <a:xfrm>
+              <a:off x="3709359" y="2805816"/>
+              <a:ext cx="3180199" cy="315015"/>
+              <a:chOff x="4201065" y="2501659"/>
+              <a:chExt cx="3180199" cy="315015"/>
+            </a:xfrm>
+          </p:grpSpPr>
+          <p:sp>
+            <p:nvSpPr>
+              <p:cNvPr id="5" name="文本框 4"/>
+              <p:cNvSpPr txBox="1"/>
+              <p:nvPr/>
+            </p:nvSpPr>
+            <p:spPr>
+              <a:xfrm>
+                <a:off x="4201065" y="2501659"/>
+                <a:ext cx="721672" cy="307777"/>
+              </a:xfrm>
+              <a:prstGeom prst="rect">
+                <a:avLst/>
+              </a:prstGeom>
+            </p:spPr>
+            <p:style>
+              <a:lnRef idx="2">
+                <a:schemeClr val="accent2">
+                  <a:shade val="50000"/>
+                </a:schemeClr>
+              </a:lnRef>
+              <a:fillRef idx="1">
+                <a:schemeClr val="accent2"/>
+              </a:fillRef>
+              <a:effectRef idx="0">
+                <a:schemeClr val="accent2"/>
+              </a:effectRef>
+              <a:fontRef idx="minor">
+                <a:schemeClr val="lt1"/>
+              </a:fontRef>
+            </p:style>
+            <p:txBody>
+              <a:bodyPr wrap="none" rtlCol="0">
+                <a:spAutoFit/>
+              </a:bodyPr>
+              <a:lstStyle/>
+              <a:p>
+                <a:r>
+                  <a:rPr lang="en-US" altLang="zh-CN" sz="1400" dirty="0" smtClean="0"/>
+                  <a:t>Sample</a:t>
+                </a:r>
+                <a:endParaRPr lang="zh-CN" altLang="en-US" sz="1400" dirty="0"/>
+              </a:p>
+            </p:txBody>
+          </p:sp>
+          <p:sp>
+            <p:nvSpPr>
+              <p:cNvPr id="6" name="文本框 5"/>
+              <p:cNvSpPr txBox="1"/>
+              <p:nvPr/>
+            </p:nvSpPr>
+            <p:spPr>
+              <a:xfrm>
+                <a:off x="5020574" y="2508897"/>
+                <a:ext cx="721672" cy="307777"/>
+              </a:xfrm>
+              <a:prstGeom prst="rect">
+                <a:avLst/>
+              </a:prstGeom>
+            </p:spPr>
+            <p:style>
+              <a:lnRef idx="2">
+                <a:schemeClr val="accent2">
+                  <a:shade val="50000"/>
+                </a:schemeClr>
+              </a:lnRef>
+              <a:fillRef idx="1">
+                <a:schemeClr val="accent2"/>
+              </a:fillRef>
+              <a:effectRef idx="0">
+                <a:schemeClr val="accent2"/>
+              </a:effectRef>
+              <a:fontRef idx="minor">
+                <a:schemeClr val="lt1"/>
+              </a:fontRef>
+            </p:style>
+            <p:txBody>
+              <a:bodyPr wrap="none" rtlCol="0">
+                <a:spAutoFit/>
+              </a:bodyPr>
+              <a:lstStyle/>
+              <a:p>
+                <a:r>
+                  <a:rPr lang="en-US" altLang="zh-CN" sz="1400" dirty="0" smtClean="0"/>
+                  <a:t>Sample</a:t>
+                </a:r>
+                <a:endParaRPr lang="zh-CN" altLang="en-US" sz="1400" dirty="0"/>
+              </a:p>
+            </p:txBody>
+          </p:sp>
+          <p:sp>
+            <p:nvSpPr>
+              <p:cNvPr id="7" name="文本框 6"/>
+              <p:cNvSpPr txBox="1"/>
+              <p:nvPr/>
+            </p:nvSpPr>
+            <p:spPr>
+              <a:xfrm>
+                <a:off x="5840083" y="2508897"/>
+                <a:ext cx="721672" cy="307777"/>
+              </a:xfrm>
+              <a:prstGeom prst="rect">
+                <a:avLst/>
+              </a:prstGeom>
+            </p:spPr>
+            <p:style>
+              <a:lnRef idx="2">
+                <a:schemeClr val="accent2">
+                  <a:shade val="50000"/>
+                </a:schemeClr>
+              </a:lnRef>
+              <a:fillRef idx="1">
+                <a:schemeClr val="accent2"/>
+              </a:fillRef>
+              <a:effectRef idx="0">
+                <a:schemeClr val="accent2"/>
+              </a:effectRef>
+              <a:fontRef idx="minor">
+                <a:schemeClr val="lt1"/>
+              </a:fontRef>
+            </p:style>
+            <p:txBody>
+              <a:bodyPr wrap="none" rtlCol="0">
+                <a:spAutoFit/>
+              </a:bodyPr>
+              <a:lstStyle/>
+              <a:p>
+                <a:r>
+                  <a:rPr lang="en-US" altLang="zh-CN" sz="1400" smtClean="0"/>
+                  <a:t>Sample</a:t>
+                </a:r>
+                <a:endParaRPr lang="zh-CN" altLang="en-US" sz="1400"/>
+              </a:p>
+            </p:txBody>
+          </p:sp>
+          <p:sp>
+            <p:nvSpPr>
+              <p:cNvPr id="8" name="文本框 7"/>
+              <p:cNvSpPr txBox="1"/>
+              <p:nvPr/>
+            </p:nvSpPr>
+            <p:spPr>
+              <a:xfrm>
+                <a:off x="6659592" y="2508897"/>
+                <a:ext cx="721672" cy="307777"/>
+              </a:xfrm>
+              <a:prstGeom prst="rect">
+                <a:avLst/>
+              </a:prstGeom>
+            </p:spPr>
+            <p:style>
+              <a:lnRef idx="2">
+                <a:schemeClr val="accent2">
+                  <a:shade val="50000"/>
+                </a:schemeClr>
+              </a:lnRef>
+              <a:fillRef idx="1">
+                <a:schemeClr val="accent2"/>
+              </a:fillRef>
+              <a:effectRef idx="0">
+                <a:schemeClr val="accent2"/>
+              </a:effectRef>
+              <a:fontRef idx="minor">
+                <a:schemeClr val="lt1"/>
+              </a:fontRef>
+            </p:style>
+            <p:txBody>
+              <a:bodyPr wrap="none" rtlCol="0">
+                <a:spAutoFit/>
+              </a:bodyPr>
+              <a:lstStyle/>
+              <a:p>
+                <a:r>
+                  <a:rPr lang="en-US" altLang="zh-CN" sz="1400" smtClean="0"/>
+                  <a:t>Sample</a:t>
+                </a:r>
+                <a:endParaRPr lang="zh-CN" altLang="en-US" sz="1400"/>
+              </a:p>
+            </p:txBody>
+          </p:sp>
+        </p:grpSp>
+        <p:sp>
+          <p:nvSpPr>
+            <p:cNvPr id="11" name="矩形 10"/>
+            <p:cNvSpPr/>
+            <p:nvPr/>
+          </p:nvSpPr>
+          <p:spPr>
+            <a:xfrm>
+              <a:off x="3562709" y="2648309"/>
+              <a:ext cx="3976778" cy="638355"/>
+            </a:xfrm>
+            <a:prstGeom prst="rect">
+              <a:avLst/>
+            </a:prstGeom>
+            <a:noFill/>
+            <a:ln>
+              <a:solidFill>
+                <a:schemeClr val="tx1">
+                  <a:lumMod val="95000"/>
+                  <a:lumOff val="5000"/>
+                </a:schemeClr>
+              </a:solidFill>
+            </a:ln>
+          </p:spPr>
+          <p:style>
+            <a:lnRef idx="2">
+              <a:schemeClr val="accent1">
+                <a:shade val="50000"/>
+              </a:schemeClr>
+            </a:lnRef>
+            <a:fillRef idx="1">
+              <a:schemeClr val="accent1"/>
+            </a:fillRef>
+            <a:effectRef idx="0">
+              <a:schemeClr val="accent1"/>
+            </a:effectRef>
+            <a:fontRef idx="minor">
+              <a:schemeClr val="lt1"/>
+            </a:fontRef>
+          </p:style>
+          <p:txBody>
+            <a:bodyPr rtlCol="0" anchor="ctr"/>
+            <a:lstStyle/>
+            <a:p>
+              <a:pPr algn="ctr"/>
+              <a:endParaRPr lang="zh-CN" altLang="en-US"/>
+            </a:p>
+          </p:txBody>
+        </p:sp>
+        <p:sp>
+          <p:nvSpPr>
+            <p:cNvPr id="12" name="文本框 11"/>
+            <p:cNvSpPr txBox="1"/>
+            <p:nvPr/>
+          </p:nvSpPr>
+          <p:spPr>
+            <a:xfrm>
+              <a:off x="6924269" y="2821680"/>
+              <a:ext cx="343364" cy="369332"/>
+            </a:xfrm>
+            <a:prstGeom prst="rect">
+              <a:avLst/>
+            </a:prstGeom>
+            <a:noFill/>
+          </p:spPr>
+          <p:txBody>
+            <a:bodyPr wrap="none" rtlCol="0">
+              <a:spAutoFit/>
+            </a:bodyPr>
+            <a:lstStyle/>
+            <a:p>
+              <a:r>
+                <a:rPr lang="en-US" altLang="zh-CN" smtClean="0">
+                  <a:solidFill>
+                    <a:schemeClr val="accent2">
+                      <a:lumMod val="75000"/>
+                    </a:schemeClr>
+                  </a:solidFill>
+                </a:rPr>
+                <a:t>…</a:t>
+              </a:r>
+              <a:endParaRPr lang="zh-CN" altLang="en-US">
+                <a:solidFill>
+                  <a:schemeClr val="accent2">
+                    <a:lumMod val="75000"/>
+                  </a:schemeClr>
+                </a:solidFill>
+              </a:endParaRPr>
+            </a:p>
+          </p:txBody>
+        </p:sp>
+      </p:grpSp>
+      <p:cxnSp>
+        <p:nvCxnSpPr>
+          <p:cNvPr id="15" name="直接连接符 14"/>
+          <p:cNvCxnSpPr>
+            <a:stCxn id="4" idx="3"/>
+            <a:endCxn id="11" idx="1"/>
+          </p:cNvCxnSpPr>
+          <p:nvPr/>
+        </p:nvCxnSpPr>
+        <p:spPr>
+          <a:xfrm flipV="1">
+            <a:off x="4409591" y="1699403"/>
+            <a:ext cx="438457" cy="4463"/>
+          </a:xfrm>
+          <a:prstGeom prst="line">
+            <a:avLst/>
+          </a:prstGeom>
+          <a:ln>
+            <a:solidFill>
+              <a:schemeClr val="tx1"/>
+            </a:solidFill>
+          </a:ln>
+        </p:spPr>
+        <p:style>
+          <a:lnRef idx="1">
+            <a:schemeClr val="accent1"/>
+          </a:lnRef>
+          <a:fillRef idx="0">
+            <a:schemeClr val="accent1"/>
+          </a:fillRef>
+          <a:effectRef idx="0">
+            <a:schemeClr val="accent1"/>
+          </a:effectRef>
+          <a:fontRef idx="minor">
+            <a:schemeClr val="tx1"/>
+          </a:fontRef>
+        </p:style>
+      </p:cxnSp>
+      <p:sp>
+        <p:nvSpPr>
+          <p:cNvPr id="16" name="文本框 15"/>
+          <p:cNvSpPr txBox="1"/>
+          <p:nvPr/>
+        </p:nvSpPr>
+        <p:spPr>
+          <a:xfrm>
+            <a:off x="6320219" y="928521"/>
+            <a:ext cx="756938" cy="369332"/>
+          </a:xfrm>
+          <a:prstGeom prst="rect">
+            <a:avLst/>
+          </a:prstGeom>
+          <a:noFill/>
+        </p:spPr>
+        <p:txBody>
+          <a:bodyPr wrap="none" rtlCol="0">
+            <a:spAutoFit/>
+          </a:bodyPr>
+          <a:lstStyle/>
+          <a:p>
+            <a:r>
+              <a:rPr lang="en-US" altLang="zh-CN" smtClean="0"/>
+              <a:t>buffer</a:t>
+            </a:r>
+            <a:endParaRPr lang="zh-CN" altLang="en-US"/>
+          </a:p>
+        </p:txBody>
+      </p:sp>
+      <p:sp>
+        <p:nvSpPr>
+          <p:cNvPr id="21" name="文本框 20"/>
+          <p:cNvSpPr txBox="1"/>
+          <p:nvPr/>
+        </p:nvSpPr>
+        <p:spPr>
+          <a:xfrm>
+            <a:off x="2993369" y="3341545"/>
+            <a:ext cx="6202532" cy="523220"/>
+          </a:xfrm>
+          <a:prstGeom prst="rect">
+            <a:avLst/>
+          </a:prstGeom>
+          <a:noFill/>
+        </p:spPr>
+        <p:txBody>
+          <a:bodyPr wrap="none" rtlCol="0">
+            <a:spAutoFit/>
+          </a:bodyPr>
+          <a:lstStyle/>
+          <a:p>
+            <a:r>
+              <a:rPr lang="en-US" altLang="zh-CN" sz="2800" dirty="0"/>
+              <a:t>2</a:t>
+            </a:r>
+            <a:r>
+              <a:rPr lang="en-US" altLang="zh-CN" sz="2800" dirty="0" smtClean="0"/>
+              <a:t>. </a:t>
+            </a:r>
+            <a:r>
+              <a:rPr lang="en-US" altLang="zh-CN" sz="2800" dirty="0" smtClean="0">
+                <a:solidFill>
+                  <a:schemeClr val="accent2"/>
+                </a:solidFill>
+              </a:rPr>
+              <a:t>sample_rate</a:t>
+            </a:r>
+            <a:r>
+              <a:rPr lang="en-US" altLang="zh-CN" sz="2800" dirty="0" smtClean="0"/>
+              <a:t>,</a:t>
+            </a:r>
+            <a:r>
+              <a:rPr lang="en-US" altLang="zh-CN" sz="2800" dirty="0"/>
+              <a:t> </a:t>
+            </a:r>
+            <a:r>
+              <a:rPr lang="en-US" altLang="zh-CN" sz="2800" dirty="0" smtClean="0">
+                <a:solidFill>
+                  <a:schemeClr val="accent2"/>
+                </a:solidFill>
+              </a:rPr>
+              <a:t>sample_format</a:t>
+            </a:r>
+            <a:r>
+              <a:rPr lang="en-US" altLang="zh-CN" sz="2800" dirty="0" smtClean="0"/>
+              <a:t>,</a:t>
+            </a:r>
+            <a:r>
+              <a:rPr lang="en-US" altLang="zh-CN" sz="2800" dirty="0"/>
+              <a:t> </a:t>
+            </a:r>
+            <a:r>
+              <a:rPr lang="en-US" altLang="zh-CN" sz="2800" dirty="0">
+                <a:solidFill>
+                  <a:schemeClr val="accent2"/>
+                </a:solidFill>
+              </a:rPr>
+              <a:t>channels</a:t>
+            </a:r>
+            <a:endParaRPr lang="en-US" altLang="zh-CN" sz="2800" dirty="0" smtClean="0">
+              <a:solidFill>
+                <a:schemeClr val="accent2"/>
+              </a:solidFill>
+            </a:endParaRPr>
+          </a:p>
+        </p:txBody>
+      </p:sp>
+      <p:sp>
+        <p:nvSpPr>
+          <p:cNvPr id="23" name="文本框 22"/>
+          <p:cNvSpPr txBox="1"/>
+          <p:nvPr/>
+        </p:nvSpPr>
+        <p:spPr>
+          <a:xfrm>
+            <a:off x="2993369" y="2622733"/>
+            <a:ext cx="2140651" cy="523220"/>
+          </a:xfrm>
+          <a:prstGeom prst="rect">
+            <a:avLst/>
+          </a:prstGeom>
+          <a:noFill/>
+        </p:spPr>
+        <p:txBody>
+          <a:bodyPr wrap="none" rtlCol="0">
+            <a:spAutoFit/>
+          </a:bodyPr>
+          <a:lstStyle/>
+          <a:p>
+            <a:r>
+              <a:rPr lang="en-US" altLang="zh-CN" sz="2800" smtClean="0"/>
+              <a:t>1. </a:t>
+            </a:r>
+            <a:r>
+              <a:rPr lang="en-US" altLang="zh-CN" sz="2800">
+                <a:solidFill>
+                  <a:schemeClr val="accent2"/>
+                </a:solidFill>
+              </a:rPr>
+              <a:t>buffer_size</a:t>
+            </a:r>
+            <a:endParaRPr lang="en-US" altLang="zh-CN" sz="2800" smtClean="0">
+              <a:solidFill>
+                <a:schemeClr val="accent2"/>
+              </a:solidFill>
+            </a:endParaRPr>
+          </a:p>
+        </p:txBody>
+      </p:sp>
+    </p:spTree>
+    <p:extLst>
+      <p:ext uri="{BB962C8B-B14F-4D97-AF65-F5344CB8AC3E}">
+        <p14:creationId xmlns:p14="http://schemas.microsoft.com/office/powerpoint/2010/main" val="1432290865"/>
+      </p:ext>
+    </p:extLst>
+  </p:cSld>
+  <p:clrMapOvr>
+    <a:masterClrMapping/>
+  </p:clrMapOvr>
+</p:sld>
+</file>
+
+<file path=ppt/slides/slide4.xml><?xml version="1.0" encoding="utf-8"?>
+<p:sld xmlns:a="http://schemas.openxmlformats.org/drawingml/2006/main" xmlns:r="http://schemas.openxmlformats.org/officeDocument/2006/relationships" xmlns:p="http://schemas.openxmlformats.org/presentationml/2006/main">
+  <p:cSld>
+    <p:spTree>
+      <p:nvGrpSpPr>
+        <p:cNvPr id="1" name=""/>
+        <p:cNvGrpSpPr/>
+        <p:nvPr/>
+      </p:nvGrpSpPr>
+      <p:grpSpPr>
+        <a:xfrm>
+          <a:off x="0" y="0"/>
+          <a:ext cx="0" cy="0"/>
+          <a:chOff x="0" y="0"/>
+          <a:chExt cx="0" cy="0"/>
+        </a:xfrm>
+      </p:grpSpPr>
+      <p:sp>
+        <p:nvSpPr>
+          <p:cNvPr id="4" name="文本框 3"/>
+          <p:cNvSpPr txBox="1"/>
+          <p:nvPr/>
+        </p:nvSpPr>
+        <p:spPr>
+          <a:xfrm>
+            <a:off x="2993369" y="1242201"/>
+            <a:ext cx="1416222" cy="923330"/>
+          </a:xfrm>
+          <a:prstGeom prst="rect">
+            <a:avLst/>
+          </a:prstGeom>
+        </p:spPr>
+        <p:style>
+          <a:lnRef idx="1">
+            <a:schemeClr val="dk1"/>
+          </a:lnRef>
+          <a:fillRef idx="3">
+            <a:schemeClr val="dk1"/>
+          </a:fillRef>
+          <a:effectRef idx="2">
+            <a:schemeClr val="dk1"/>
+          </a:effectRef>
+          <a:fontRef idx="minor">
+            <a:schemeClr val="lt1"/>
+          </a:fontRef>
+        </p:style>
+        <p:txBody>
+          <a:bodyPr wrap="none" rtlCol="0">
+            <a:spAutoFit/>
+          </a:bodyPr>
+          <a:lstStyle/>
+          <a:p>
+            <a:endParaRPr lang="en-US" altLang="zh-CN" dirty="0" smtClean="0"/>
+          </a:p>
+          <a:p>
+            <a:r>
+              <a:rPr lang="en-US" altLang="zh-CN" dirty="0" smtClean="0"/>
+              <a:t>Audio Device</a:t>
+            </a:r>
+          </a:p>
+          <a:p>
+            <a:endParaRPr lang="zh-CN" altLang="en-US" dirty="0"/>
+          </a:p>
+        </p:txBody>
+      </p:sp>
+      <p:grpSp>
+        <p:nvGrpSpPr>
+          <p:cNvPr id="13" name="组合 12"/>
+          <p:cNvGrpSpPr/>
+          <p:nvPr/>
+        </p:nvGrpSpPr>
+        <p:grpSpPr>
+          <a:xfrm>
+            <a:off x="4848048" y="1380225"/>
+            <a:ext cx="3976778" cy="638355"/>
+            <a:chOff x="3562709" y="2648309"/>
+            <a:chExt cx="3976778" cy="638355"/>
+          </a:xfrm>
+        </p:grpSpPr>
+        <p:grpSp>
+          <p:nvGrpSpPr>
+            <p:cNvPr id="9" name="组合 8"/>
+            <p:cNvGrpSpPr/>
+            <p:nvPr/>
+          </p:nvGrpSpPr>
+          <p:grpSpPr>
+            <a:xfrm>
+              <a:off x="3709359" y="2805816"/>
+              <a:ext cx="3180199" cy="315015"/>
+              <a:chOff x="4201065" y="2501659"/>
+              <a:chExt cx="3180199" cy="315015"/>
+            </a:xfrm>
+          </p:grpSpPr>
+          <p:sp>
+            <p:nvSpPr>
+              <p:cNvPr id="5" name="文本框 4"/>
+              <p:cNvSpPr txBox="1"/>
+              <p:nvPr/>
+            </p:nvSpPr>
+            <p:spPr>
+              <a:xfrm>
+                <a:off x="4201065" y="2501659"/>
+                <a:ext cx="721672" cy="307777"/>
+              </a:xfrm>
+              <a:prstGeom prst="rect">
+                <a:avLst/>
+              </a:prstGeom>
+            </p:spPr>
+            <p:style>
+              <a:lnRef idx="2">
+                <a:schemeClr val="accent2">
+                  <a:shade val="50000"/>
+                </a:schemeClr>
+              </a:lnRef>
+              <a:fillRef idx="1">
+                <a:schemeClr val="accent2"/>
+              </a:fillRef>
+              <a:effectRef idx="0">
+                <a:schemeClr val="accent2"/>
+              </a:effectRef>
+              <a:fontRef idx="minor">
+                <a:schemeClr val="lt1"/>
+              </a:fontRef>
+            </p:style>
+            <p:txBody>
+              <a:bodyPr wrap="none" rtlCol="0">
+                <a:spAutoFit/>
+              </a:bodyPr>
+              <a:lstStyle/>
+              <a:p>
+                <a:r>
+                  <a:rPr lang="en-US" altLang="zh-CN" sz="1400" smtClean="0"/>
+                  <a:t>Sample</a:t>
+                </a:r>
+                <a:endParaRPr lang="zh-CN" altLang="en-US" sz="1400"/>
+              </a:p>
+            </p:txBody>
+          </p:sp>
+          <p:sp>
+            <p:nvSpPr>
+              <p:cNvPr id="6" name="文本框 5"/>
+              <p:cNvSpPr txBox="1"/>
+              <p:nvPr/>
+            </p:nvSpPr>
+            <p:spPr>
+              <a:xfrm>
+                <a:off x="5020574" y="2508897"/>
+                <a:ext cx="721672" cy="307777"/>
+              </a:xfrm>
+              <a:prstGeom prst="rect">
+                <a:avLst/>
+              </a:prstGeom>
+            </p:spPr>
+            <p:style>
+              <a:lnRef idx="2">
+                <a:schemeClr val="accent2">
+                  <a:shade val="50000"/>
+                </a:schemeClr>
+              </a:lnRef>
+              <a:fillRef idx="1">
+                <a:schemeClr val="accent2"/>
+              </a:fillRef>
+              <a:effectRef idx="0">
+                <a:schemeClr val="accent2"/>
+              </a:effectRef>
+              <a:fontRef idx="minor">
+                <a:schemeClr val="lt1"/>
+              </a:fontRef>
+            </p:style>
+            <p:txBody>
+              <a:bodyPr wrap="none" rtlCol="0">
+                <a:spAutoFit/>
+              </a:bodyPr>
+              <a:lstStyle/>
+              <a:p>
+                <a:r>
+                  <a:rPr lang="en-US" altLang="zh-CN" sz="1400" smtClean="0"/>
+                  <a:t>Sample</a:t>
+                </a:r>
+                <a:endParaRPr lang="zh-CN" altLang="en-US" sz="1400"/>
+              </a:p>
+            </p:txBody>
+          </p:sp>
+          <p:sp>
+            <p:nvSpPr>
+              <p:cNvPr id="7" name="文本框 6"/>
+              <p:cNvSpPr txBox="1"/>
+              <p:nvPr/>
+            </p:nvSpPr>
+            <p:spPr>
+              <a:xfrm>
+                <a:off x="5840083" y="2508897"/>
+                <a:ext cx="721672" cy="307777"/>
+              </a:xfrm>
+              <a:prstGeom prst="rect">
+                <a:avLst/>
+              </a:prstGeom>
+            </p:spPr>
+            <p:style>
+              <a:lnRef idx="2">
+                <a:schemeClr val="accent2">
+                  <a:shade val="50000"/>
+                </a:schemeClr>
+              </a:lnRef>
+              <a:fillRef idx="1">
+                <a:schemeClr val="accent2"/>
+              </a:fillRef>
+              <a:effectRef idx="0">
+                <a:schemeClr val="accent2"/>
+              </a:effectRef>
+              <a:fontRef idx="minor">
+                <a:schemeClr val="lt1"/>
+              </a:fontRef>
+            </p:style>
+            <p:txBody>
+              <a:bodyPr wrap="none" rtlCol="0">
+                <a:spAutoFit/>
+              </a:bodyPr>
+              <a:lstStyle/>
+              <a:p>
+                <a:r>
+                  <a:rPr lang="en-US" altLang="zh-CN" sz="1400" smtClean="0"/>
+                  <a:t>Sample</a:t>
+                </a:r>
+                <a:endParaRPr lang="zh-CN" altLang="en-US" sz="1400"/>
+              </a:p>
+            </p:txBody>
+          </p:sp>
+          <p:sp>
+            <p:nvSpPr>
+              <p:cNvPr id="8" name="文本框 7"/>
+              <p:cNvSpPr txBox="1"/>
+              <p:nvPr/>
+            </p:nvSpPr>
+            <p:spPr>
+              <a:xfrm>
+                <a:off x="6659592" y="2508897"/>
+                <a:ext cx="721672" cy="307777"/>
+              </a:xfrm>
+              <a:prstGeom prst="rect">
+                <a:avLst/>
+              </a:prstGeom>
+            </p:spPr>
+            <p:style>
+              <a:lnRef idx="2">
+                <a:schemeClr val="accent2">
+                  <a:shade val="50000"/>
+                </a:schemeClr>
+              </a:lnRef>
+              <a:fillRef idx="1">
+                <a:schemeClr val="accent2"/>
+              </a:fillRef>
+              <a:effectRef idx="0">
+                <a:schemeClr val="accent2"/>
+              </a:effectRef>
+              <a:fontRef idx="minor">
+                <a:schemeClr val="lt1"/>
+              </a:fontRef>
+            </p:style>
+            <p:txBody>
+              <a:bodyPr wrap="none" rtlCol="0">
+                <a:spAutoFit/>
+              </a:bodyPr>
+              <a:lstStyle/>
+              <a:p>
+                <a:r>
+                  <a:rPr lang="en-US" altLang="zh-CN" sz="1400" dirty="0" smtClean="0"/>
+                  <a:t>Sample</a:t>
+                </a:r>
+                <a:endParaRPr lang="zh-CN" altLang="en-US" sz="1400" dirty="0"/>
+              </a:p>
+            </p:txBody>
+          </p:sp>
+        </p:grpSp>
+        <p:sp>
+          <p:nvSpPr>
+            <p:cNvPr id="11" name="矩形 10"/>
+            <p:cNvSpPr/>
+            <p:nvPr/>
+          </p:nvSpPr>
+          <p:spPr>
+            <a:xfrm>
+              <a:off x="3562709" y="2648309"/>
+              <a:ext cx="3976778" cy="638355"/>
+            </a:xfrm>
+            <a:prstGeom prst="rect">
+              <a:avLst/>
+            </a:prstGeom>
+            <a:noFill/>
+            <a:ln>
+              <a:solidFill>
+                <a:schemeClr val="tx1">
+                  <a:lumMod val="95000"/>
+                  <a:lumOff val="5000"/>
+                </a:schemeClr>
+              </a:solidFill>
+            </a:ln>
+          </p:spPr>
+          <p:style>
+            <a:lnRef idx="2">
+              <a:schemeClr val="accent1">
+                <a:shade val="50000"/>
+              </a:schemeClr>
+            </a:lnRef>
+            <a:fillRef idx="1">
+              <a:schemeClr val="accent1"/>
+            </a:fillRef>
+            <a:effectRef idx="0">
+              <a:schemeClr val="accent1"/>
+            </a:effectRef>
+            <a:fontRef idx="minor">
+              <a:schemeClr val="lt1"/>
+            </a:fontRef>
+          </p:style>
+          <p:txBody>
+            <a:bodyPr rtlCol="0" anchor="ctr"/>
+            <a:lstStyle/>
+            <a:p>
+              <a:pPr algn="ctr"/>
+              <a:endParaRPr lang="zh-CN" altLang="en-US"/>
+            </a:p>
+          </p:txBody>
+        </p:sp>
+        <p:sp>
+          <p:nvSpPr>
+            <p:cNvPr id="12" name="文本框 11"/>
+            <p:cNvSpPr txBox="1"/>
+            <p:nvPr/>
+          </p:nvSpPr>
+          <p:spPr>
+            <a:xfrm>
+              <a:off x="6924269" y="2821680"/>
+              <a:ext cx="343364" cy="369332"/>
+            </a:xfrm>
+            <a:prstGeom prst="rect">
+              <a:avLst/>
+            </a:prstGeom>
+            <a:noFill/>
+          </p:spPr>
+          <p:txBody>
+            <a:bodyPr wrap="none" rtlCol="0">
+              <a:spAutoFit/>
+            </a:bodyPr>
+            <a:lstStyle/>
+            <a:p>
+              <a:r>
+                <a:rPr lang="en-US" altLang="zh-CN" smtClean="0">
+                  <a:solidFill>
+                    <a:schemeClr val="accent2">
+                      <a:lumMod val="75000"/>
+                    </a:schemeClr>
+                  </a:solidFill>
+                </a:rPr>
+                <a:t>…</a:t>
+              </a:r>
+              <a:endParaRPr lang="zh-CN" altLang="en-US">
+                <a:solidFill>
+                  <a:schemeClr val="accent2">
+                    <a:lumMod val="75000"/>
+                  </a:schemeClr>
+                </a:solidFill>
+              </a:endParaRPr>
+            </a:p>
+          </p:txBody>
+        </p:sp>
+      </p:grpSp>
+      <p:cxnSp>
+        <p:nvCxnSpPr>
+          <p:cNvPr id="15" name="直接连接符 14"/>
+          <p:cNvCxnSpPr>
+            <a:stCxn id="4" idx="3"/>
+            <a:endCxn id="11" idx="1"/>
+          </p:cNvCxnSpPr>
+          <p:nvPr/>
+        </p:nvCxnSpPr>
+        <p:spPr>
+          <a:xfrm flipV="1">
+            <a:off x="4409591" y="1699403"/>
+            <a:ext cx="438457" cy="4463"/>
+          </a:xfrm>
+          <a:prstGeom prst="line">
+            <a:avLst/>
+          </a:prstGeom>
+          <a:ln>
+            <a:solidFill>
+              <a:schemeClr val="tx1"/>
+            </a:solidFill>
+          </a:ln>
+        </p:spPr>
+        <p:style>
+          <a:lnRef idx="1">
+            <a:schemeClr val="accent1"/>
+          </a:lnRef>
+          <a:fillRef idx="0">
+            <a:schemeClr val="accent1"/>
+          </a:fillRef>
+          <a:effectRef idx="0">
+            <a:schemeClr val="accent1"/>
+          </a:effectRef>
+          <a:fontRef idx="minor">
+            <a:schemeClr val="tx1"/>
+          </a:fontRef>
+        </p:style>
+      </p:cxnSp>
+      <p:sp>
+        <p:nvSpPr>
+          <p:cNvPr id="16" name="文本框 15"/>
+          <p:cNvSpPr txBox="1"/>
+          <p:nvPr/>
+        </p:nvSpPr>
+        <p:spPr>
+          <a:xfrm>
+            <a:off x="6320219" y="928521"/>
+            <a:ext cx="756938" cy="369332"/>
+          </a:xfrm>
+          <a:prstGeom prst="rect">
+            <a:avLst/>
+          </a:prstGeom>
+          <a:noFill/>
+        </p:spPr>
+        <p:txBody>
+          <a:bodyPr wrap="none" rtlCol="0">
+            <a:spAutoFit/>
+          </a:bodyPr>
+          <a:lstStyle/>
+          <a:p>
+            <a:r>
+              <a:rPr lang="en-US" altLang="zh-CN" smtClean="0"/>
+              <a:t>buffer</a:t>
+            </a:r>
+            <a:endParaRPr lang="zh-CN" altLang="en-US"/>
+          </a:p>
+        </p:txBody>
+      </p:sp>
+      <p:sp>
+        <p:nvSpPr>
+          <p:cNvPr id="17" name="文本框 16"/>
+          <p:cNvSpPr txBox="1"/>
+          <p:nvPr/>
+        </p:nvSpPr>
+        <p:spPr>
+          <a:xfrm>
+            <a:off x="2993369" y="3341545"/>
+            <a:ext cx="6202532" cy="523220"/>
+          </a:xfrm>
+          <a:prstGeom prst="rect">
+            <a:avLst/>
+          </a:prstGeom>
+          <a:noFill/>
+        </p:spPr>
+        <p:txBody>
+          <a:bodyPr wrap="none" rtlCol="0">
+            <a:spAutoFit/>
+          </a:bodyPr>
+          <a:lstStyle/>
+          <a:p>
+            <a:r>
+              <a:rPr lang="en-US" altLang="zh-CN" sz="2800" dirty="0"/>
+              <a:t>2</a:t>
+            </a:r>
+            <a:r>
+              <a:rPr lang="en-US" altLang="zh-CN" sz="2800" dirty="0" smtClean="0"/>
+              <a:t>. </a:t>
+            </a:r>
+            <a:r>
+              <a:rPr lang="en-US" altLang="zh-CN" sz="2800" dirty="0" smtClean="0">
+                <a:solidFill>
+                  <a:schemeClr val="accent2"/>
+                </a:solidFill>
+              </a:rPr>
+              <a:t>sample_rate</a:t>
+            </a:r>
+            <a:r>
+              <a:rPr lang="en-US" altLang="zh-CN" sz="2800" dirty="0" smtClean="0"/>
+              <a:t>,</a:t>
+            </a:r>
+            <a:r>
+              <a:rPr lang="en-US" altLang="zh-CN" sz="2800" dirty="0"/>
+              <a:t> </a:t>
+            </a:r>
+            <a:r>
+              <a:rPr lang="en-US" altLang="zh-CN" sz="2800" dirty="0" smtClean="0">
+                <a:solidFill>
+                  <a:schemeClr val="accent2"/>
+                </a:solidFill>
+              </a:rPr>
+              <a:t>sample_format</a:t>
+            </a:r>
+            <a:r>
+              <a:rPr lang="en-US" altLang="zh-CN" sz="2800" dirty="0" smtClean="0"/>
+              <a:t>,</a:t>
+            </a:r>
+            <a:r>
+              <a:rPr lang="en-US" altLang="zh-CN" sz="2800" dirty="0"/>
+              <a:t> </a:t>
+            </a:r>
+            <a:r>
+              <a:rPr lang="en-US" altLang="zh-CN" sz="2800" dirty="0">
+                <a:solidFill>
+                  <a:schemeClr val="accent2"/>
+                </a:solidFill>
+              </a:rPr>
+              <a:t>channels</a:t>
+            </a:r>
+            <a:endParaRPr lang="en-US" altLang="zh-CN" sz="2800" dirty="0" smtClean="0">
+              <a:solidFill>
+                <a:schemeClr val="accent2"/>
+              </a:solidFill>
+            </a:endParaRPr>
+          </a:p>
+        </p:txBody>
+      </p:sp>
+      <p:sp>
+        <p:nvSpPr>
+          <p:cNvPr id="20" name="文本框 19"/>
+          <p:cNvSpPr txBox="1"/>
+          <p:nvPr/>
+        </p:nvSpPr>
+        <p:spPr>
+          <a:xfrm>
+            <a:off x="2993369" y="4060357"/>
+            <a:ext cx="6985182" cy="523220"/>
+          </a:xfrm>
+          <a:prstGeom prst="rect">
+            <a:avLst/>
+          </a:prstGeom>
+          <a:noFill/>
+        </p:spPr>
+        <p:txBody>
+          <a:bodyPr wrap="none" rtlCol="0">
+            <a:spAutoFit/>
+          </a:bodyPr>
+          <a:lstStyle/>
+          <a:p>
+            <a:r>
+              <a:rPr lang="en-US" altLang="zh-CN" sz="2800" dirty="0"/>
+              <a:t>3</a:t>
+            </a:r>
+            <a:r>
+              <a:rPr lang="en-US" altLang="zh-CN" sz="2800" dirty="0" smtClean="0"/>
+              <a:t>. </a:t>
+            </a:r>
+            <a:r>
+              <a:rPr lang="en-US" altLang="zh-CN" sz="2800" dirty="0">
+                <a:solidFill>
+                  <a:schemeClr val="accent2"/>
+                </a:solidFill>
+              </a:rPr>
+              <a:t>Callback</a:t>
+            </a:r>
+            <a:r>
+              <a:rPr lang="en-US" altLang="zh-CN" sz="2800" dirty="0"/>
+              <a:t>: </a:t>
+            </a:r>
+            <a:r>
+              <a:rPr lang="en-US" altLang="zh-CN" sz="2800" dirty="0">
+                <a:solidFill>
+                  <a:schemeClr val="bg1">
+                    <a:lumMod val="75000"/>
+                  </a:schemeClr>
+                </a:solidFill>
+              </a:rPr>
+              <a:t>buffer address</a:t>
+            </a:r>
+            <a:r>
+              <a:rPr lang="en-US" altLang="zh-CN" sz="2800" dirty="0"/>
+              <a:t>, </a:t>
+            </a:r>
+            <a:r>
+              <a:rPr lang="en-US" altLang="zh-CN" sz="2800" dirty="0">
+                <a:solidFill>
+                  <a:schemeClr val="bg1">
+                    <a:lumMod val="75000"/>
+                  </a:schemeClr>
+                </a:solidFill>
+              </a:rPr>
+              <a:t>need size</a:t>
+            </a:r>
+            <a:r>
+              <a:rPr lang="en-US" altLang="zh-CN" sz="2800" dirty="0"/>
+              <a:t>, </a:t>
+            </a:r>
+            <a:r>
+              <a:rPr lang="en-US" altLang="zh-CN" sz="2800" dirty="0" smtClean="0">
+                <a:solidFill>
+                  <a:schemeClr val="accent2"/>
+                </a:solidFill>
+              </a:rPr>
+              <a:t>userdata</a:t>
+            </a:r>
+            <a:endParaRPr lang="en-US" altLang="zh-CN" sz="2800" dirty="0">
+              <a:solidFill>
+                <a:schemeClr val="accent2"/>
+              </a:solidFill>
+            </a:endParaRPr>
+          </a:p>
+        </p:txBody>
+      </p:sp>
+      <p:sp>
+        <p:nvSpPr>
+          <p:cNvPr id="21" name="文本框 20"/>
+          <p:cNvSpPr txBox="1"/>
+          <p:nvPr/>
+        </p:nvSpPr>
+        <p:spPr>
+          <a:xfrm>
+            <a:off x="2993369" y="2622733"/>
+            <a:ext cx="2140651" cy="523220"/>
+          </a:xfrm>
+          <a:prstGeom prst="rect">
+            <a:avLst/>
+          </a:prstGeom>
+          <a:noFill/>
+        </p:spPr>
+        <p:txBody>
+          <a:bodyPr wrap="none" rtlCol="0">
+            <a:spAutoFit/>
+          </a:bodyPr>
+          <a:lstStyle/>
+          <a:p>
+            <a:r>
+              <a:rPr lang="en-US" altLang="zh-CN" sz="2800" dirty="0" smtClean="0"/>
+              <a:t>1. </a:t>
+            </a:r>
+            <a:r>
+              <a:rPr lang="en-US" altLang="zh-CN" sz="2800" dirty="0">
+                <a:solidFill>
+                  <a:schemeClr val="accent2"/>
+                </a:solidFill>
+              </a:rPr>
+              <a:t>buffer_size</a:t>
+            </a:r>
+            <a:endParaRPr lang="en-US" altLang="zh-CN" sz="2800" dirty="0" smtClean="0">
+              <a:solidFill>
+                <a:schemeClr val="accent2"/>
+              </a:solidFill>
+            </a:endParaRPr>
+          </a:p>
+        </p:txBody>
+      </p:sp>
+    </p:spTree>
+    <p:extLst>
+      <p:ext uri="{BB962C8B-B14F-4D97-AF65-F5344CB8AC3E}">
+        <p14:creationId xmlns:p14="http://schemas.microsoft.com/office/powerpoint/2010/main" val="2422387203"/>
+      </p:ext>
+    </p:extLst>
+  </p:cSld>
+  <p:clrMapOvr>
+    <a:masterClrMapping/>
+  </p:clrMapOvr>
+</p:sld>
+</file>
+
+<file path=ppt/slides/slide5.xml><?xml version="1.0" encoding="utf-8"?>
 <p:sld xmlns:a="http://schemas.openxmlformats.org/drawingml/2006/main" xmlns:r="http://schemas.openxmlformats.org/officeDocument/2006/relationships" xmlns:p="http://schemas.openxmlformats.org/presentationml/2006/main">
   <p:cSld>
     <p:spTree>
@@ -4332,7 +5552,7 @@
       </p:sp>
       <p:sp>
         <p:nvSpPr>
-          <p:cNvPr id="21" name="文本框 20"/>
+          <p:cNvPr id="14" name="文本框 13"/>
           <p:cNvSpPr txBox="1"/>
           <p:nvPr/>
         </p:nvSpPr>
@@ -4353,15 +5573,15 @@
           <a:lstStyle/>
           <a:p>
             <a:r>
-              <a:rPr lang="en-US" altLang="zh-CN" sz="2800"/>
+              <a:rPr lang="en-US" altLang="zh-CN" sz="2800" dirty="0"/>
               <a:t>2</a:t>
             </a:r>
             <a:r>
-              <a:rPr lang="en-US" altLang="zh-CN" sz="2800" smtClean="0"/>
+              <a:rPr lang="en-US" altLang="zh-CN" sz="2800" dirty="0" smtClean="0"/>
               <a:t>. </a:t>
             </a:r>
             <a:r>
-              <a:rPr lang="en-US" altLang="zh-CN" sz="2800" smtClean="0">
+              <a:rPr lang="en-US" altLang="zh-CN" sz="2800" dirty="0" smtClean="0">
                 <a:solidFill>
                   <a:schemeClr val="accent2"/>
                 </a:solidFill>
@@ -4369,15 +5589,15 @@
               <a:t>sample_rate</a:t>
             </a:r>
             <a:r>
-              <a:rPr lang="en-US" altLang="zh-CN" sz="2800" smtClean="0"/>
+              <a:rPr lang="en-US" altLang="zh-CN" sz="2800" dirty="0" smtClean="0"/>
               <a:t>,</a:t>
             </a:r>
             <a:r>
-              <a:rPr lang="en-US" altLang="zh-CN" sz="2800"/>
+              <a:rPr lang="en-US" altLang="zh-CN" sz="2800" dirty="0"/>
               <a:t> </a:t>
             </a:r>
             <a:r>
-              <a:rPr lang="en-US" altLang="zh-CN" sz="2800" smtClean="0">
+              <a:rPr lang="en-US" altLang="zh-CN" sz="2800" dirty="0" smtClean="0">
                 <a:solidFill>
                   <a:schemeClr val="accent2"/>
                 </a:solidFill>
@@ -4385,22 +5605,22 @@
               <a:t>sample_format</a:t>
             </a:r>
             <a:r>
-              <a:rPr lang="en-US" altLang="zh-CN" sz="2800" smtClean="0"/>
+              <a:rPr lang="en-US" altLang="zh-CN" sz="2800" dirty="0" smtClean="0"/>
               <a:t>,</a:t>
             </a:r>
             <a:r>
-              <a:rPr lang="en-US" altLang="zh-CN" sz="2800"/>
+              <a:rPr lang="en-US" altLang="zh-CN" sz="2800" dirty="0"/>
               <a:t> </a:t>
             </a:r>
             <a:r>
-              <a:rPr lang="en-US" altLang="zh-CN" sz="2800">
+              <a:rPr lang="en-US" altLang="zh-CN" sz="2800" dirty="0">
                 <a:solidFill>
                   <a:schemeClr val="accent2"/>
                 </a:solidFill>
               </a:rPr>
               <a:t>channels</a:t>
             </a:r>
-            <a:endParaRPr lang="en-US" altLang="zh-CN" sz="2800" smtClean="0">
+            <a:endParaRPr lang="en-US" altLang="zh-CN" sz="2800" dirty="0" smtClean="0">
               <a:solidFill>
                 <a:schemeClr val="accent2"/>
               </a:solidFill>
@@ -4410,14 +5630,14 @@
       </p:sp>
       <p:sp>
         <p:nvSpPr>
-          <p:cNvPr id="23" name="文本框 22"/>
+          <p:cNvPr id="2" name="文本框 1"/>
           <p:cNvSpPr txBox="1"/>
           <p:nvPr/>
         </p:nvSpPr>
         <p:spPr>
           <a:xfrm>
-            <a:off x="2993369" y="2622733"/>
-            <a:ext cx="2140651" cy="523220"/>
+            <a:off x="4994431" y="4951562"/>
+            <a:ext cx="3082895" cy="646331"/>
           </a:xfrm>
           <a:prstGeom prst="rect">
             <a:avLst/>
@@ -4431,452 +5651,23 @@
           <a:lstStyle/>
           <a:p>
             <a:r>
-              <a:rPr lang="en-US" altLang="zh-CN" sz="2800" smtClean="0"/>
-              <a:t>1. </a:t>
-            </a:r>
-            <a:r>
-              <a:rPr lang="en-US" altLang="zh-CN" sz="2800">
-                <a:solidFill>
-                  <a:schemeClr val="accent2"/>
-                </a:solidFill>
-              </a:rPr>
-              <a:t>buffer_size</a:t>
-            </a:r>
-            <a:endParaRPr lang="en-US" altLang="zh-CN" sz="2800" smtClean="0">
-              <a:solidFill>
-                <a:schemeClr val="accent2"/>
-              </a:solidFill>
-            </a:endParaRPr>
-          </a:p>
-        </p:txBody>
-      </p:sp>
-    </p:spTree>
-    <p:extLst>
-      <p:ext uri="{BB962C8B-B14F-4D97-AF65-F5344CB8AC3E}">
-        <p14:creationId xmlns:p14="http://schemas.microsoft.com/office/powerpoint/2010/main" val="1432290865"/>
-      </p:ext>
-    </p:extLst>
-  </p:cSld>
-  <p:clrMapOvr>
-    <a:masterClrMapping/>
-  </p:clrMapOvr>
-</p:sld>
-</file>
-
-<file path=ppt/slides/slide4.xml><?xml version="1.0" encoding="utf-8"?>
-<p:sld xmlns:a="http://schemas.openxmlformats.org/drawingml/2006/main" xmlns:r="http://schemas.openxmlformats.org/officeDocument/2006/relationships" xmlns:p="http://schemas.openxmlformats.org/presentationml/2006/main">
-  <p:cSld>
-    <p:spTree>
-      <p:nvGrpSpPr>
-        <p:cNvPr id="1" name=""/>
-        <p:cNvGrpSpPr/>
-        <p:nvPr/>
-      </p:nvGrpSpPr>
-      <p:grpSpPr>
-        <a:xfrm>
-          <a:off x="0" y="0"/>
-          <a:ext cx="0" cy="0"/>
-          <a:chOff x="0" y="0"/>
-          <a:chExt cx="0" cy="0"/>
-        </a:xfrm>
-      </p:grpSpPr>
-      <p:sp>
-        <p:nvSpPr>
-          <p:cNvPr id="4" name="文本框 3"/>
+              <a:rPr lang="en-US" altLang="zh-CN" sz="3600" dirty="0"/>
+              <a:t>SDL_AudioSpec</a:t>
+            </a:r>
+            <a:endParaRPr lang="zh-CN" altLang="en-US" sz="3600" dirty="0"/>
+          </a:p>
+        </p:txBody>
+      </p:sp>
+      <p:sp>
+        <p:nvSpPr>
+          <p:cNvPr id="18" name="文本框 17"/>
           <p:cNvSpPr txBox="1"/>
           <p:nvPr/>
         </p:nvSpPr>
         <p:spPr>
           <a:xfrm>
-            <a:off x="2993369" y="1242201"/>
-            <a:ext cx="1416222" cy="923330"/>
-          </a:xfrm>
-          <a:prstGeom prst="rect">
-            <a:avLst/>
-          </a:prstGeom>
-        </p:spPr>
-        <p:style>
-          <a:lnRef idx="1">
-            <a:schemeClr val="dk1"/>
-          </a:lnRef>
-          <a:fillRef idx="3">
-            <a:schemeClr val="dk1"/>
-          </a:fillRef>
-          <a:effectRef idx="2">
-            <a:schemeClr val="dk1"/>
-          </a:effectRef>
-          <a:fontRef idx="minor">
-            <a:schemeClr val="lt1"/>
-          </a:fontRef>
-        </p:style>
-        <p:txBody>
-          <a:bodyPr wrap="none" rtlCol="0">
-            <a:spAutoFit/>
-          </a:bodyPr>
-          <a:lstStyle/>
-          <a:p>
-            <a:endParaRPr lang="en-US" altLang="zh-CN" smtClean="0"/>
-          </a:p>
-          <a:p>
-            <a:r>
-              <a:rPr lang="en-US" altLang="zh-CN" smtClean="0"/>
-              <a:t>Audio Device</a:t>
-            </a:r>
-          </a:p>
-          <a:p>
-            <a:endParaRPr lang="zh-CN" altLang="en-US"/>
-          </a:p>
-        </p:txBody>
-      </p:sp>
-      <p:grpSp>
-        <p:nvGrpSpPr>
-          <p:cNvPr id="13" name="组合 12"/>
-          <p:cNvGrpSpPr/>
-          <p:nvPr/>
-        </p:nvGrpSpPr>
-        <p:grpSpPr>
-          <a:xfrm>
-            <a:off x="4848048" y="1380225"/>
-            <a:ext cx="3976778" cy="638355"/>
-            <a:chOff x="3562709" y="2648309"/>
-            <a:chExt cx="3976778" cy="638355"/>
-          </a:xfrm>
-        </p:grpSpPr>
-        <p:grpSp>
-          <p:nvGrpSpPr>
-            <p:cNvPr id="9" name="组合 8"/>
-            <p:cNvGrpSpPr/>
-            <p:nvPr/>
-          </p:nvGrpSpPr>
-          <p:grpSpPr>
-            <a:xfrm>
-              <a:off x="3709359" y="2805816"/>
-              <a:ext cx="3180199" cy="315015"/>
-              <a:chOff x="4201065" y="2501659"/>
-              <a:chExt cx="3180199" cy="315015"/>
-            </a:xfrm>
-          </p:grpSpPr>
-          <p:sp>
-            <p:nvSpPr>
-              <p:cNvPr id="5" name="文本框 4"/>
-              <p:cNvSpPr txBox="1"/>
-              <p:nvPr/>
-            </p:nvSpPr>
-            <p:spPr>
-              <a:xfrm>
-                <a:off x="4201065" y="2501659"/>
-                <a:ext cx="721672" cy="307777"/>
-              </a:xfrm>
-              <a:prstGeom prst="rect">
-                <a:avLst/>
-              </a:prstGeom>
-            </p:spPr>
-            <p:style>
-              <a:lnRef idx="2">
-                <a:schemeClr val="accent2">
-                  <a:shade val="50000"/>
-                </a:schemeClr>
-              </a:lnRef>
-              <a:fillRef idx="1">
-                <a:schemeClr val="accent2"/>
-              </a:fillRef>
-              <a:effectRef idx="0">
-                <a:schemeClr val="accent2"/>
-              </a:effectRef>
-              <a:fontRef idx="minor">
-                <a:schemeClr val="lt1"/>
-              </a:fontRef>
-            </p:style>
-            <p:txBody>
-              <a:bodyPr wrap="none" rtlCol="0">
-                <a:spAutoFit/>
-              </a:bodyPr>
-              <a:lstStyle/>
-              <a:p>
-                <a:r>
-                  <a:rPr lang="en-US" altLang="zh-CN" sz="1400" smtClean="0"/>
-                  <a:t>Sample</a:t>
-                </a:r>
-                <a:endParaRPr lang="zh-CN" altLang="en-US" sz="1400"/>
-              </a:p>
-            </p:txBody>
-          </p:sp>
-          <p:sp>
-            <p:nvSpPr>
-              <p:cNvPr id="6" name="文本框 5"/>
-              <p:cNvSpPr txBox="1"/>
-              <p:nvPr/>
-            </p:nvSpPr>
-            <p:spPr>
-              <a:xfrm>
-                <a:off x="5020574" y="2508897"/>
-                <a:ext cx="721672" cy="307777"/>
-              </a:xfrm>
-              <a:prstGeom prst="rect">
-                <a:avLst/>
-              </a:prstGeom>
-            </p:spPr>
-            <p:style>
-              <a:lnRef idx="2">
-                <a:schemeClr val="accent2">
-                  <a:shade val="50000"/>
-                </a:schemeClr>
-              </a:lnRef>
-              <a:fillRef idx="1">
-                <a:schemeClr val="accent2"/>
-              </a:fillRef>
-              <a:effectRef idx="0">
-                <a:schemeClr val="accent2"/>
-              </a:effectRef>
-              <a:fontRef idx="minor">
-                <a:schemeClr val="lt1"/>
-              </a:fontRef>
-            </p:style>
-            <p:txBody>
-              <a:bodyPr wrap="none" rtlCol="0">
-                <a:spAutoFit/>
-              </a:bodyPr>
-              <a:lstStyle/>
-              <a:p>
-                <a:r>
-                  <a:rPr lang="en-US" altLang="zh-CN" sz="1400" smtClean="0"/>
-                  <a:t>Sample</a:t>
-                </a:r>
-                <a:endParaRPr lang="zh-CN" altLang="en-US" sz="1400"/>
-              </a:p>
-            </p:txBody>
-          </p:sp>
-          <p:sp>
-            <p:nvSpPr>
-              <p:cNvPr id="7" name="文本框 6"/>
-              <p:cNvSpPr txBox="1"/>
-              <p:nvPr/>
-            </p:nvSpPr>
-            <p:spPr>
-              <a:xfrm>
-                <a:off x="5840083" y="2508897"/>
-                <a:ext cx="721672" cy="307777"/>
-              </a:xfrm>
-              <a:prstGeom prst="rect">
-                <a:avLst/>
-              </a:prstGeom>
-            </p:spPr>
-            <p:style>
-              <a:lnRef idx="2">
-                <a:schemeClr val="accent2">
-                  <a:shade val="50000"/>
-                </a:schemeClr>
-              </a:lnRef>
-              <a:fillRef idx="1">
-                <a:schemeClr val="accent2"/>
-              </a:fillRef>
-              <a:effectRef idx="0">
-                <a:schemeClr val="accent2"/>
-              </a:effectRef>
-              <a:fontRef idx="minor">
-                <a:schemeClr val="lt1"/>
-              </a:fontRef>
-            </p:style>
-            <p:txBody>
-              <a:bodyPr wrap="none" rtlCol="0">
-                <a:spAutoFit/>
-              </a:bodyPr>
-              <a:lstStyle/>
-              <a:p>
-                <a:r>
-                  <a:rPr lang="en-US" altLang="zh-CN" sz="1400" smtClean="0"/>
-                  <a:t>Sample</a:t>
-                </a:r>
-                <a:endParaRPr lang="zh-CN" altLang="en-US" sz="1400"/>
-              </a:p>
-            </p:txBody>
-          </p:sp>
-          <p:sp>
-            <p:nvSpPr>
-              <p:cNvPr id="8" name="文本框 7"/>
-              <p:cNvSpPr txBox="1"/>
-              <p:nvPr/>
-            </p:nvSpPr>
-            <p:spPr>
-              <a:xfrm>
-                <a:off x="6659592" y="2508897"/>
-                <a:ext cx="721672" cy="307777"/>
-              </a:xfrm>
-              <a:prstGeom prst="rect">
-                <a:avLst/>
-              </a:prstGeom>
-            </p:spPr>
-            <p:style>
-              <a:lnRef idx="2">
-                <a:schemeClr val="accent2">
-                  <a:shade val="50000"/>
-                </a:schemeClr>
-              </a:lnRef>
-              <a:fillRef idx="1">
-                <a:schemeClr val="accent2"/>
-              </a:fillRef>
-              <a:effectRef idx="0">
-                <a:schemeClr val="accent2"/>
-              </a:effectRef>
-              <a:fontRef idx="minor">
-                <a:schemeClr val="lt1"/>
-              </a:fontRef>
-            </p:style>
-            <p:txBody>
-              <a:bodyPr wrap="none" rtlCol="0">
-                <a:spAutoFit/>
-              </a:bodyPr>
-              <a:lstStyle/>
-              <a:p>
-                <a:r>
-                  <a:rPr lang="en-US" altLang="zh-CN" sz="1400" smtClean="0"/>
-                  <a:t>Sample</a:t>
-                </a:r>
-                <a:endParaRPr lang="zh-CN" altLang="en-US" sz="1400"/>
-              </a:p>
-            </p:txBody>
-          </p:sp>
-        </p:grpSp>
-        <p:sp>
-          <p:nvSpPr>
-            <p:cNvPr id="11" name="矩形 10"/>
-            <p:cNvSpPr/>
-            <p:nvPr/>
-          </p:nvSpPr>
-          <p:spPr>
-            <a:xfrm>
-              <a:off x="3562709" y="2648309"/>
-              <a:ext cx="3976778" cy="638355"/>
-            </a:xfrm>
-            <a:prstGeom prst="rect">
-              <a:avLst/>
-            </a:prstGeom>
-            <a:noFill/>
-            <a:ln>
-              <a:solidFill>
-                <a:schemeClr val="tx1">
-                  <a:lumMod val="95000"/>
-                  <a:lumOff val="5000"/>
-                </a:schemeClr>
-              </a:solidFill>
-            </a:ln>
-          </p:spPr>
-          <p:style>
-            <a:lnRef idx="2">
-              <a:schemeClr val="accent1">
-                <a:shade val="50000"/>
-              </a:schemeClr>
-            </a:lnRef>
-            <a:fillRef idx="1">
-              <a:schemeClr val="accent1"/>
-            </a:fillRef>
-            <a:effectRef idx="0">
-              <a:schemeClr val="accent1"/>
-            </a:effectRef>
-            <a:fontRef idx="minor">
-              <a:schemeClr val="lt1"/>
-            </a:fontRef>
-          </p:style>
-          <p:txBody>
-            <a:bodyPr rtlCol="0" anchor="ctr"/>
-            <a:lstStyle/>
-            <a:p>
-              <a:pPr algn="ctr"/>
-              <a:endParaRPr lang="zh-CN" altLang="en-US"/>
-            </a:p>
-          </p:txBody>
-        </p:sp>
-        <p:sp>
-          <p:nvSpPr>
-            <p:cNvPr id="12" name="文本框 11"/>
-            <p:cNvSpPr txBox="1"/>
-            <p:nvPr/>
-          </p:nvSpPr>
-          <p:spPr>
-            <a:xfrm>
-              <a:off x="6924269" y="2821680"/>
-              <a:ext cx="343364" cy="369332"/>
-            </a:xfrm>
-            <a:prstGeom prst="rect">
-              <a:avLst/>
-            </a:prstGeom>
-            <a:noFill/>
-          </p:spPr>
-          <p:txBody>
-            <a:bodyPr wrap="none" rtlCol="0">
-              <a:spAutoFit/>
-            </a:bodyPr>
-            <a:lstStyle/>
-            <a:p>
-              <a:r>
-                <a:rPr lang="en-US" altLang="zh-CN" smtClean="0">
-                  <a:solidFill>
-                    <a:schemeClr val="accent2">
-                      <a:lumMod val="75000"/>
-                    </a:schemeClr>
-                  </a:solidFill>
-                </a:rPr>
-                <a:t>…</a:t>
-              </a:r>
-              <a:endParaRPr lang="zh-CN" altLang="en-US">
-                <a:solidFill>
-                  <a:schemeClr val="accent2">
-                    <a:lumMod val="75000"/>
-                  </a:schemeClr>
-                </a:solidFill>
-              </a:endParaRPr>
-            </a:p>
-          </p:txBody>
-        </p:sp>
-      </p:grpSp>
-      <p:cxnSp>
-        <p:nvCxnSpPr>
-          <p:cNvPr id="15" name="直接连接符 14"/>
-          <p:cNvCxnSpPr>
-            <a:stCxn id="4" idx="3"/>
-            <a:endCxn id="11" idx="1"/>
-          </p:cNvCxnSpPr>
-          <p:nvPr/>
-        </p:nvCxnSpPr>
-        <p:spPr>
-          <a:xfrm flipV="1">
-            <a:off x="4409591" y="1699403"/>
-            <a:ext cx="438457" cy="4463"/>
-          </a:xfrm>
-          <a:prstGeom prst="line">
-            <a:avLst/>
-          </a:prstGeom>
-          <a:ln>
-            <a:solidFill>
-              <a:schemeClr val="tx1"/>
-            </a:solidFill>
-          </a:ln>
-        </p:spPr>
-        <p:style>
-          <a:lnRef idx="1">
-            <a:schemeClr val="accent1"/>
-          </a:lnRef>
-          <a:fillRef idx="0">
-            <a:schemeClr val="accent1"/>
-          </a:fillRef>
-          <a:effectRef idx="0">
-            <a:schemeClr val="accent1"/>
-          </a:effectRef>
-          <a:fontRef idx="minor">
-            <a:schemeClr val="tx1"/>
-          </a:fontRef>
-        </p:style>
-      </p:cxnSp>
-      <p:sp>
-        <p:nvSpPr>
-          <p:cNvPr id="16" name="文本框 15"/>
-          <p:cNvSpPr txBox="1"/>
-          <p:nvPr/>
-        </p:nvSpPr>
-        <p:spPr>
-          <a:xfrm>
-            <a:off x="6320219" y="928521"/>
-            <a:ext cx="756938" cy="369332"/>
+            <a:off x="2993369" y="4060357"/>
+            <a:ext cx="6985182" cy="523220"/>
           </a:xfrm>
           <a:prstGeom prst="rect">
             <a:avLst/>
@@ -4890,123 +5681,15 @@
           <a:lstStyle/>
           <a:p>
             <a:r>
-              <a:rPr lang="en-US" altLang="zh-CN" smtClean="0"/>
-              <a:t>buffer</a:t>
-            </a:r>
-            <a:endParaRPr lang="zh-CN" altLang="en-US"/>
-          </a:p>
-        </p:txBody>
-      </p:sp>
-      <p:sp>
-        <p:nvSpPr>
-          <p:cNvPr id="17" name="文本框 16"/>
-          <p:cNvSpPr txBox="1"/>
-          <p:nvPr/>
-        </p:nvSpPr>
-        <p:spPr>
-          <a:xfrm>
-            <a:off x="2993369" y="3341545"/>
-            <a:ext cx="6202532" cy="523220"/>
-          </a:xfrm>
-          <a:prstGeom prst="rect">
-            <a:avLst/>
-          </a:prstGeom>
-          <a:noFill/>
-        </p:spPr>
-        <p:txBody>
-          <a:bodyPr wrap="none" rtlCol="0">
-            <a:spAutoFit/>
-          </a:bodyPr>
-          <a:lstStyle/>
-          <a:p>
-            <a:r>
-              <a:rPr lang="en-US" altLang="zh-CN" sz="2800"/>
-              <a:t>2</a:t>
-            </a:r>
-            <a:r>
-              <a:rPr lang="en-US" altLang="zh-CN" sz="2800" smtClean="0"/>
+              <a:rPr lang="en-US" altLang="zh-CN" sz="2800" dirty="0"/>
+              <a:t>3</a:t>
+            </a:r>
+            <a:r>
+              <a:rPr lang="en-US" altLang="zh-CN" sz="2800" dirty="0" smtClean="0"/>
               <a:t>. </a:t>
             </a:r>
             <a:r>
-              <a:rPr lang="en-US" altLang="zh-CN" sz="2800" smtClean="0">
-                <a:solidFill>
-                  <a:schemeClr val="accent2"/>
-                </a:solidFill>
-              </a:rPr>
-              <a:t>sample_rate</a:t>
-            </a:r>
-            <a:r>
-              <a:rPr lang="en-US" altLang="zh-CN" sz="2800" smtClean="0"/>
-              <a:t>,</a:t>
-            </a:r>
-            <a:r>
-              <a:rPr lang="en-US" altLang="zh-CN" sz="2800"/>
-              <a:t> </a:t>
-            </a:r>
-            <a:r>
-              <a:rPr lang="en-US" altLang="zh-CN" sz="2800" smtClean="0">
-                <a:solidFill>
-                  <a:schemeClr val="accent2"/>
-                </a:solidFill>
-              </a:rPr>
-              <a:t>sample_format</a:t>
-            </a:r>
-            <a:r>
-              <a:rPr lang="en-US" altLang="zh-CN" sz="2800" smtClean="0"/>
-              <a:t>,</a:t>
-            </a:r>
-            <a:r>
-              <a:rPr lang="en-US" altLang="zh-CN" sz="2800"/>
-              <a:t> </a:t>
-            </a:r>
-            <a:r>
-              <a:rPr lang="en-US" altLang="zh-CN" sz="2800">
-                <a:solidFill>
-                  <a:schemeClr val="accent2"/>
-                </a:solidFill>
-              </a:rPr>
-              <a:t>channels</a:t>
-            </a:r>
-            <a:endParaRPr lang="en-US" altLang="zh-CN" sz="2800" smtClean="0">
-              <a:solidFill>
-                <a:schemeClr val="accent2"/>
-              </a:solidFill>
-            </a:endParaRPr>
-          </a:p>
-        </p:txBody>
-      </p:sp>
-      <p:sp>
-        <p:nvSpPr>
-          <p:cNvPr id="20" name="文本框 19"/>
-          <p:cNvSpPr txBox="1"/>
-          <p:nvPr/>
-        </p:nvSpPr>
-        <p:spPr>
-          <a:xfrm>
-            <a:off x="2993369" y="4060357"/>
-            <a:ext cx="6985182" cy="523220"/>
-          </a:xfrm>
-          <a:prstGeom prst="rect">
-            <a:avLst/>
-          </a:prstGeom>
-          <a:noFill/>
-        </p:spPr>
-        <p:txBody>
-          <a:bodyPr wrap="none" rtlCol="0">
-            <a:spAutoFit/>
-          </a:bodyPr>
-          <a:lstStyle/>
-          <a:p>
-            <a:r>
-              <a:rPr lang="en-US" altLang="zh-CN" sz="2800"/>
-              <a:t>3</a:t>
-            </a:r>
-            <a:r>
-              <a:rPr lang="en-US" altLang="zh-CN" sz="2800" smtClean="0"/>
-              <a:t>. </a:t>
-            </a:r>
-            <a:r>
-              <a:rPr lang="en-US" altLang="zh-CN" sz="2800">
+              <a:rPr lang="en-US" altLang="zh-CN" sz="2800" dirty="0">
                 <a:solidFill>
                   <a:schemeClr val="accent2"/>
                 </a:solidFill>
@@ -5014,11 +5697,11 @@
               <a:t>Callback</a:t>
             </a:r>
             <a:r>
-              <a:rPr lang="en-US" altLang="zh-CN" sz="2800"/>
+              <a:rPr lang="en-US" altLang="zh-CN" sz="2800" dirty="0"/>
               <a:t>: </a:t>
             </a:r>
             <a:r>
-              <a:rPr lang="en-US" altLang="zh-CN" sz="2800">
+              <a:rPr lang="en-US" altLang="zh-CN" sz="2800" dirty="0">
                 <a:solidFill>
                   <a:schemeClr val="bg1">
                     <a:lumMod val="75000"/>
@@ -5028,11 +5711,11 @@
               <a:t>buffer address</a:t>
             </a:r>
             <a:r>
-              <a:rPr lang="en-US" altLang="zh-CN" sz="2800"/>
+              <a:rPr lang="en-US" altLang="zh-CN" sz="2800" dirty="0"/>
               <a:t>, </a:t>
             </a:r>
             <a:r>
-              <a:rPr lang="en-US" altLang="zh-CN" sz="2800">
+              <a:rPr lang="en-US" altLang="zh-CN" sz="2800" dirty="0">
                 <a:solidFill>
                   <a:schemeClr val="bg1">
                     <a:lumMod val="75000"/>
@@ -5042,18 +5725,18 @@
               <a:t>need size</a:t>
             </a:r>
             <a:r>
-              <a:rPr lang="en-US" altLang="zh-CN" sz="2800"/>
+              <a:rPr lang="en-US" altLang="zh-CN" sz="2800" dirty="0"/>
               <a:t>, </a:t>
             </a:r>
             <a:r>
-              <a:rPr lang="en-US" altLang="zh-CN" sz="2800" smtClean="0">
+              <a:rPr lang="en-US" altLang="zh-CN" sz="2800" dirty="0" smtClean="0">
                 <a:solidFill>
                   <a:schemeClr val="accent2"/>
                 </a:solidFill>
               </a:rPr>
               <a:t>userdata</a:t>
             </a:r>
-            <a:endParaRPr lang="en-US" altLang="zh-CN" sz="2800">
+            <a:endParaRPr lang="en-US" altLang="zh-CN" sz="2800" dirty="0">
               <a:solidFill>
                 <a:schemeClr val="accent2"/>
               </a:solidFill>
@@ -5063,7 +5746,7 @@
       </p:sp>
       <p:sp>
         <p:nvSpPr>
-          <p:cNvPr id="21" name="文本框 20"/>
+          <p:cNvPr id="19" name="文本框 18"/>
           <p:cNvSpPr txBox="1"/>
           <p:nvPr/>
         </p:nvSpPr>
@@ -5084,701 +5767,18 @@
           <a:lstStyle/>
           <a:p>
             <a:r>
-              <a:rPr lang="en-US" altLang="zh-CN" sz="2800" smtClean="0"/>
+              <a:rPr lang="en-US" altLang="zh-CN" sz="2800" dirty="0" smtClean="0"/>
               <a:t>1. </a:t>
             </a:r>
             <a:r>
-              <a:rPr lang="en-US" altLang="zh-CN" sz="2800">
+              <a:rPr lang="en-US" altLang="zh-CN" sz="2800" dirty="0">
                 <a:solidFill>
                   <a:schemeClr val="accent2"/>
                 </a:solidFill>
               </a:rPr>
               <a:t>buffer_size</a:t>
             </a:r>
-            <a:endParaRPr lang="en-US" altLang="zh-CN" sz="2800" smtClean="0">
-              <a:solidFill>
-                <a:schemeClr val="accent2"/>
-              </a:solidFill>
-            </a:endParaRPr>
-          </a:p>
-        </p:txBody>
-      </p:sp>
-    </p:spTree>
-    <p:extLst>
-      <p:ext uri="{BB962C8B-B14F-4D97-AF65-F5344CB8AC3E}">
-        <p14:creationId xmlns:p14="http://schemas.microsoft.com/office/powerpoint/2010/main" val="2422387203"/>
-      </p:ext>
-    </p:extLst>
-  </p:cSld>
-  <p:clrMapOvr>
-    <a:masterClrMapping/>
-  </p:clrMapOvr>
-</p:sld>
-</file>
-
-<file path=ppt/slides/slide5.xml><?xml version="1.0" encoding="utf-8"?>
-<p:sld xmlns:a="http://schemas.openxmlformats.org/drawingml/2006/main" xmlns:r="http://schemas.openxmlformats.org/officeDocument/2006/relationships" xmlns:p="http://schemas.openxmlformats.org/presentationml/2006/main">
-  <p:cSld>
-    <p:spTree>
-      <p:nvGrpSpPr>
-        <p:cNvPr id="1" name=""/>
-        <p:cNvGrpSpPr/>
-        <p:nvPr/>
-      </p:nvGrpSpPr>
-      <p:grpSpPr>
-        <a:xfrm>
-          <a:off x="0" y="0"/>
-          <a:ext cx="0" cy="0"/>
-          <a:chOff x="0" y="0"/>
-          <a:chExt cx="0" cy="0"/>
-        </a:xfrm>
-      </p:grpSpPr>
-      <p:sp>
-        <p:nvSpPr>
-          <p:cNvPr id="4" name="文本框 3"/>
-          <p:cNvSpPr txBox="1"/>
-          <p:nvPr/>
-        </p:nvSpPr>
-        <p:spPr>
-          <a:xfrm>
-            <a:off x="2993369" y="1242201"/>
-            <a:ext cx="1416222" cy="923330"/>
-          </a:xfrm>
-          <a:prstGeom prst="rect">
-            <a:avLst/>
-          </a:prstGeom>
-        </p:spPr>
-        <p:style>
-          <a:lnRef idx="1">
-            <a:schemeClr val="dk1"/>
-          </a:lnRef>
-          <a:fillRef idx="3">
-            <a:schemeClr val="dk1"/>
-          </a:fillRef>
-          <a:effectRef idx="2">
-            <a:schemeClr val="dk1"/>
-          </a:effectRef>
-          <a:fontRef idx="minor">
-            <a:schemeClr val="lt1"/>
-          </a:fontRef>
-        </p:style>
-        <p:txBody>
-          <a:bodyPr wrap="none" rtlCol="0">
-            <a:spAutoFit/>
-          </a:bodyPr>
-          <a:lstStyle/>
-          <a:p>
-            <a:endParaRPr lang="en-US" altLang="zh-CN" smtClean="0"/>
-          </a:p>
-          <a:p>
-            <a:r>
-              <a:rPr lang="en-US" altLang="zh-CN" smtClean="0"/>
-              <a:t>Audio Device</a:t>
-            </a:r>
-          </a:p>
-          <a:p>
-            <a:endParaRPr lang="zh-CN" altLang="en-US"/>
-          </a:p>
-        </p:txBody>
-      </p:sp>
-      <p:grpSp>
-        <p:nvGrpSpPr>
-          <p:cNvPr id="13" name="组合 12"/>
-          <p:cNvGrpSpPr/>
-          <p:nvPr/>
-        </p:nvGrpSpPr>
-        <p:grpSpPr>
-          <a:xfrm>
-            <a:off x="4848048" y="1380225"/>
-            <a:ext cx="3976778" cy="638355"/>
-            <a:chOff x="3562709" y="2648309"/>
-            <a:chExt cx="3976778" cy="638355"/>
-          </a:xfrm>
-        </p:grpSpPr>
-        <p:grpSp>
-          <p:nvGrpSpPr>
-            <p:cNvPr id="9" name="组合 8"/>
-            <p:cNvGrpSpPr/>
-            <p:nvPr/>
-          </p:nvGrpSpPr>
-          <p:grpSpPr>
-            <a:xfrm>
-              <a:off x="3709359" y="2805816"/>
-              <a:ext cx="3180199" cy="315015"/>
-              <a:chOff x="4201065" y="2501659"/>
-              <a:chExt cx="3180199" cy="315015"/>
-            </a:xfrm>
-          </p:grpSpPr>
-          <p:sp>
-            <p:nvSpPr>
-              <p:cNvPr id="5" name="文本框 4"/>
-              <p:cNvSpPr txBox="1"/>
-              <p:nvPr/>
-            </p:nvSpPr>
-            <p:spPr>
-              <a:xfrm>
-                <a:off x="4201065" y="2501659"/>
-                <a:ext cx="721672" cy="307777"/>
-              </a:xfrm>
-              <a:prstGeom prst="rect">
-                <a:avLst/>
-              </a:prstGeom>
-            </p:spPr>
-            <p:style>
-              <a:lnRef idx="2">
-                <a:schemeClr val="accent2">
-                  <a:shade val="50000"/>
-                </a:schemeClr>
-              </a:lnRef>
-              <a:fillRef idx="1">
-                <a:schemeClr val="accent2"/>
-              </a:fillRef>
-              <a:effectRef idx="0">
-                <a:schemeClr val="accent2"/>
-              </a:effectRef>
-              <a:fontRef idx="minor">
-                <a:schemeClr val="lt1"/>
-              </a:fontRef>
-            </p:style>
-            <p:txBody>
-              <a:bodyPr wrap="none" rtlCol="0">
-                <a:spAutoFit/>
-              </a:bodyPr>
-              <a:lstStyle/>
-              <a:p>
-                <a:r>
-                  <a:rPr lang="en-US" altLang="zh-CN" sz="1400" smtClean="0"/>
-                  <a:t>Sample</a:t>
-                </a:r>
-                <a:endParaRPr lang="zh-CN" altLang="en-US" sz="1400"/>
-              </a:p>
-            </p:txBody>
-          </p:sp>
-          <p:sp>
-            <p:nvSpPr>
-              <p:cNvPr id="6" name="文本框 5"/>
-              <p:cNvSpPr txBox="1"/>
-              <p:nvPr/>
-            </p:nvSpPr>
-            <p:spPr>
-              <a:xfrm>
-                <a:off x="5020574" y="2508897"/>
-                <a:ext cx="721672" cy="307777"/>
-              </a:xfrm>
-              <a:prstGeom prst="rect">
-                <a:avLst/>
-              </a:prstGeom>
-            </p:spPr>
-            <p:style>
-              <a:lnRef idx="2">
-                <a:schemeClr val="accent2">
-                  <a:shade val="50000"/>
-                </a:schemeClr>
-              </a:lnRef>
-              <a:fillRef idx="1">
-                <a:schemeClr val="accent2"/>
-              </a:fillRef>
-              <a:effectRef idx="0">
-                <a:schemeClr val="accent2"/>
-              </a:effectRef>
-              <a:fontRef idx="minor">
-                <a:schemeClr val="lt1"/>
-              </a:fontRef>
-            </p:style>
-            <p:txBody>
-              <a:bodyPr wrap="none" rtlCol="0">
-                <a:spAutoFit/>
-              </a:bodyPr>
-              <a:lstStyle/>
-              <a:p>
-                <a:r>
-                  <a:rPr lang="en-US" altLang="zh-CN" sz="1400" smtClean="0"/>
-                  <a:t>Sample</a:t>
-                </a:r>
-                <a:endParaRPr lang="zh-CN" altLang="en-US" sz="1400"/>
-              </a:p>
-            </p:txBody>
-          </p:sp>
-          <p:sp>
-            <p:nvSpPr>
-              <p:cNvPr id="7" name="文本框 6"/>
-              <p:cNvSpPr txBox="1"/>
-              <p:nvPr/>
-            </p:nvSpPr>
-            <p:spPr>
-              <a:xfrm>
-                <a:off x="5840083" y="2508897"/>
-                <a:ext cx="721672" cy="307777"/>
-              </a:xfrm>
-              <a:prstGeom prst="rect">
-                <a:avLst/>
-              </a:prstGeom>
-            </p:spPr>
-            <p:style>
-              <a:lnRef idx="2">
-                <a:schemeClr val="accent2">
-                  <a:shade val="50000"/>
-                </a:schemeClr>
-              </a:lnRef>
-              <a:fillRef idx="1">
-                <a:schemeClr val="accent2"/>
-              </a:fillRef>
-              <a:effectRef idx="0">
-                <a:schemeClr val="accent2"/>
-              </a:effectRef>
-              <a:fontRef idx="minor">
-                <a:schemeClr val="lt1"/>
-              </a:fontRef>
-            </p:style>
-            <p:txBody>
-              <a:bodyPr wrap="none" rtlCol="0">
-                <a:spAutoFit/>
-              </a:bodyPr>
-              <a:lstStyle/>
-              <a:p>
-                <a:r>
-                  <a:rPr lang="en-US" altLang="zh-CN" sz="1400" smtClean="0"/>
-                  <a:t>Sample</a:t>
-                </a:r>
-                <a:endParaRPr lang="zh-CN" altLang="en-US" sz="1400"/>
-              </a:p>
-            </p:txBody>
-          </p:sp>
-          <p:sp>
-            <p:nvSpPr>
-              <p:cNvPr id="8" name="文本框 7"/>
-              <p:cNvSpPr txBox="1"/>
-              <p:nvPr/>
-            </p:nvSpPr>
-            <p:spPr>
-              <a:xfrm>
-                <a:off x="6659592" y="2508897"/>
-                <a:ext cx="721672" cy="307777"/>
-              </a:xfrm>
-              <a:prstGeom prst="rect">
-                <a:avLst/>
-              </a:prstGeom>
-            </p:spPr>
-            <p:style>
-              <a:lnRef idx="2">
-                <a:schemeClr val="accent2">
-                  <a:shade val="50000"/>
-                </a:schemeClr>
-              </a:lnRef>
-              <a:fillRef idx="1">
-                <a:schemeClr val="accent2"/>
-              </a:fillRef>
-              <a:effectRef idx="0">
-                <a:schemeClr val="accent2"/>
-              </a:effectRef>
-              <a:fontRef idx="minor">
-                <a:schemeClr val="lt1"/>
-              </a:fontRef>
-            </p:style>
-            <p:txBody>
-              <a:bodyPr wrap="none" rtlCol="0">
-                <a:spAutoFit/>
-              </a:bodyPr>
-              <a:lstStyle/>
-              <a:p>
-                <a:r>
-                  <a:rPr lang="en-US" altLang="zh-CN" sz="1400" smtClean="0"/>
-                  <a:t>Sample</a:t>
-                </a:r>
-                <a:endParaRPr lang="zh-CN" altLang="en-US" sz="1400"/>
-              </a:p>
-            </p:txBody>
-          </p:sp>
-        </p:grpSp>
-        <p:sp>
-          <p:nvSpPr>
-            <p:cNvPr id="11" name="矩形 10"/>
-            <p:cNvSpPr/>
-            <p:nvPr/>
-          </p:nvSpPr>
-          <p:spPr>
-            <a:xfrm>
-              <a:off x="3562709" y="2648309"/>
-              <a:ext cx="3976778" cy="638355"/>
-            </a:xfrm>
-            <a:prstGeom prst="rect">
-              <a:avLst/>
-            </a:prstGeom>
-            <a:noFill/>
-            <a:ln>
-              <a:solidFill>
-                <a:schemeClr val="tx1">
-                  <a:lumMod val="95000"/>
-                  <a:lumOff val="5000"/>
-                </a:schemeClr>
-              </a:solidFill>
-            </a:ln>
-          </p:spPr>
-          <p:style>
-            <a:lnRef idx="2">
-              <a:schemeClr val="accent1">
-                <a:shade val="50000"/>
-              </a:schemeClr>
-            </a:lnRef>
-            <a:fillRef idx="1">
-              <a:schemeClr val="accent1"/>
-            </a:fillRef>
-            <a:effectRef idx="0">
-              <a:schemeClr val="accent1"/>
-            </a:effectRef>
-            <a:fontRef idx="minor">
-              <a:schemeClr val="lt1"/>
-            </a:fontRef>
-          </p:style>
-          <p:txBody>
-            <a:bodyPr rtlCol="0" anchor="ctr"/>
-            <a:lstStyle/>
-            <a:p>
-              <a:pPr algn="ctr"/>
-              <a:endParaRPr lang="zh-CN" altLang="en-US"/>
-            </a:p>
-          </p:txBody>
-        </p:sp>
-        <p:sp>
-          <p:nvSpPr>
-            <p:cNvPr id="12" name="文本框 11"/>
-            <p:cNvSpPr txBox="1"/>
-            <p:nvPr/>
-          </p:nvSpPr>
-          <p:spPr>
-            <a:xfrm>
-              <a:off x="6924269" y="2821680"/>
-              <a:ext cx="343364" cy="369332"/>
-            </a:xfrm>
-            <a:prstGeom prst="rect">
-              <a:avLst/>
-            </a:prstGeom>
-            <a:noFill/>
-          </p:spPr>
-          <p:txBody>
-            <a:bodyPr wrap="none" rtlCol="0">
-              <a:spAutoFit/>
-            </a:bodyPr>
-            <a:lstStyle/>
-            <a:p>
-              <a:r>
-                <a:rPr lang="en-US" altLang="zh-CN" smtClean="0">
-                  <a:solidFill>
-                    <a:schemeClr val="accent2">
-                      <a:lumMod val="75000"/>
-                    </a:schemeClr>
-                  </a:solidFill>
-                </a:rPr>
-                <a:t>…</a:t>
-              </a:r>
-              <a:endParaRPr lang="zh-CN" altLang="en-US">
-                <a:solidFill>
-                  <a:schemeClr val="accent2">
-                    <a:lumMod val="75000"/>
-                  </a:schemeClr>
-                </a:solidFill>
-              </a:endParaRPr>
-            </a:p>
-          </p:txBody>
-        </p:sp>
-      </p:grpSp>
-      <p:cxnSp>
-        <p:nvCxnSpPr>
-          <p:cNvPr id="15" name="直接连接符 14"/>
-          <p:cNvCxnSpPr>
-            <a:stCxn id="4" idx="3"/>
-            <a:endCxn id="11" idx="1"/>
-          </p:cNvCxnSpPr>
-          <p:nvPr/>
-        </p:nvCxnSpPr>
-        <p:spPr>
-          <a:xfrm flipV="1">
-            <a:off x="4409591" y="1699403"/>
-            <a:ext cx="438457" cy="4463"/>
-          </a:xfrm>
-          <a:prstGeom prst="line">
-            <a:avLst/>
-          </a:prstGeom>
-          <a:ln>
-            <a:solidFill>
-              <a:schemeClr val="tx1"/>
-            </a:solidFill>
-          </a:ln>
-        </p:spPr>
-        <p:style>
-          <a:lnRef idx="1">
-            <a:schemeClr val="accent1"/>
-          </a:lnRef>
-          <a:fillRef idx="0">
-            <a:schemeClr val="accent1"/>
-          </a:fillRef>
-          <a:effectRef idx="0">
-            <a:schemeClr val="accent1"/>
-          </a:effectRef>
-          <a:fontRef idx="minor">
-            <a:schemeClr val="tx1"/>
-          </a:fontRef>
-        </p:style>
-      </p:cxnSp>
-      <p:sp>
-        <p:nvSpPr>
-          <p:cNvPr id="16" name="文本框 15"/>
-          <p:cNvSpPr txBox="1"/>
-          <p:nvPr/>
-        </p:nvSpPr>
-        <p:spPr>
-          <a:xfrm>
-            <a:off x="6320219" y="928521"/>
-            <a:ext cx="756938" cy="369332"/>
-          </a:xfrm>
-          <a:prstGeom prst="rect">
-            <a:avLst/>
-          </a:prstGeom>
-          <a:noFill/>
-        </p:spPr>
-        <p:txBody>
-          <a:bodyPr wrap="none" rtlCol="0">
-            <a:spAutoFit/>
-          </a:bodyPr>
-          <a:lstStyle/>
-          <a:p>
-            <a:r>
-              <a:rPr lang="en-US" altLang="zh-CN" smtClean="0"/>
-              <a:t>buffer</a:t>
-            </a:r>
-            <a:endParaRPr lang="zh-CN" altLang="en-US"/>
-          </a:p>
-        </p:txBody>
-      </p:sp>
-      <p:sp>
-        <p:nvSpPr>
-          <p:cNvPr id="14" name="文本框 13"/>
-          <p:cNvSpPr txBox="1"/>
-          <p:nvPr/>
-        </p:nvSpPr>
-        <p:spPr>
-          <a:xfrm>
-            <a:off x="2993369" y="3341545"/>
-            <a:ext cx="6202532" cy="523220"/>
-          </a:xfrm>
-          <a:prstGeom prst="rect">
-            <a:avLst/>
-          </a:prstGeom>
-          <a:noFill/>
-        </p:spPr>
-        <p:txBody>
-          <a:bodyPr wrap="none" rtlCol="0">
-            <a:spAutoFit/>
-          </a:bodyPr>
-          <a:lstStyle/>
-          <a:p>
-            <a:r>
-              <a:rPr lang="en-US" altLang="zh-CN" sz="2800"/>
-              <a:t>2</a:t>
-            </a:r>
-            <a:r>
-              <a:rPr lang="en-US" altLang="zh-CN" sz="2800" smtClean="0"/>
-              <a:t>. </a:t>
-            </a:r>
-            <a:r>
-              <a:rPr lang="en-US" altLang="zh-CN" sz="2800" smtClean="0">
-                <a:solidFill>
-                  <a:schemeClr val="accent2"/>
-                </a:solidFill>
-              </a:rPr>
-              <a:t>sample_rate</a:t>
-            </a:r>
-            <a:r>
-              <a:rPr lang="en-US" altLang="zh-CN" sz="2800" smtClean="0"/>
-              <a:t>,</a:t>
-            </a:r>
-            <a:r>
-              <a:rPr lang="en-US" altLang="zh-CN" sz="2800"/>
-              <a:t> </a:t>
-            </a:r>
-            <a:r>
-              <a:rPr lang="en-US" altLang="zh-CN" sz="2800" smtClean="0">
-                <a:solidFill>
-                  <a:schemeClr val="accent2"/>
-                </a:solidFill>
-              </a:rPr>
-              <a:t>sample_format</a:t>
-            </a:r>
-            <a:r>
-              <a:rPr lang="en-US" altLang="zh-CN" sz="2800" smtClean="0"/>
-              <a:t>,</a:t>
-            </a:r>
-            <a:r>
-              <a:rPr lang="en-US" altLang="zh-CN" sz="2800"/>
-              <a:t> </a:t>
-            </a:r>
-            <a:r>
-              <a:rPr lang="en-US" altLang="zh-CN" sz="2800">
-                <a:solidFill>
-                  <a:schemeClr val="accent2"/>
-                </a:solidFill>
-              </a:rPr>
-              <a:t>channels</a:t>
-            </a:r>
-            <a:endParaRPr lang="en-US" altLang="zh-CN" sz="2800" smtClean="0">
-              <a:solidFill>
-                <a:schemeClr val="accent2"/>
-              </a:solidFill>
-            </a:endParaRPr>
-          </a:p>
-        </p:txBody>
-      </p:sp>
-      <p:sp>
-        <p:nvSpPr>
-          <p:cNvPr id="2" name="文本框 1"/>
-          <p:cNvSpPr txBox="1"/>
-          <p:nvPr/>
-        </p:nvSpPr>
-        <p:spPr>
-          <a:xfrm>
-            <a:off x="4994431" y="4951562"/>
-            <a:ext cx="3082895" cy="646331"/>
-          </a:xfrm>
-          <a:prstGeom prst="rect">
-            <a:avLst/>
-          </a:prstGeom>
-          <a:noFill/>
-        </p:spPr>
-        <p:txBody>
-          <a:bodyPr wrap="none" rtlCol="0">
-            <a:spAutoFit/>
-          </a:bodyPr>
-          <a:lstStyle/>
-          <a:p>
-            <a:r>
-              <a:rPr lang="en-US" altLang="zh-CN" sz="3600"/>
-              <a:t>SDL_AudioSpec</a:t>
-            </a:r>
-            <a:endParaRPr lang="zh-CN" altLang="en-US" sz="3600"/>
-          </a:p>
-        </p:txBody>
-      </p:sp>
-      <p:sp>
-        <p:nvSpPr>
-          <p:cNvPr id="18" name="文本框 17"/>
-          <p:cNvSpPr txBox="1"/>
-          <p:nvPr/>
-        </p:nvSpPr>
-        <p:spPr>
-          <a:xfrm>
-            <a:off x="2993369" y="4060357"/>
-            <a:ext cx="6985182" cy="523220"/>
-          </a:xfrm>
-          <a:prstGeom prst="rect">
-            <a:avLst/>
-          </a:prstGeom>
-          <a:noFill/>
-        </p:spPr>
-        <p:txBody>
-          <a:bodyPr wrap="none" rtlCol="0">
-            <a:spAutoFit/>
-          </a:bodyPr>
-          <a:lstStyle/>
-          <a:p>
-            <a:r>
-              <a:rPr lang="en-US" altLang="zh-CN" sz="2800"/>
-              <a:t>3</a:t>
-            </a:r>
-            <a:r>
-              <a:rPr lang="en-US" altLang="zh-CN" sz="2800" smtClean="0"/>
-              <a:t>. </a:t>
-            </a:r>
-            <a:r>
-              <a:rPr lang="en-US" altLang="zh-CN" sz="2800">
-                <a:solidFill>
-                  <a:schemeClr val="accent2"/>
-                </a:solidFill>
-              </a:rPr>
-              <a:t>Callback</a:t>
-            </a:r>
-            <a:r>
-              <a:rPr lang="en-US" altLang="zh-CN" sz="2800"/>
-              <a:t>: </a:t>
-            </a:r>
-            <a:r>
-              <a:rPr lang="en-US" altLang="zh-CN" sz="2800">
-                <a:solidFill>
-                  <a:schemeClr val="bg1">
-                    <a:lumMod val="75000"/>
-                  </a:schemeClr>
-                </a:solidFill>
-              </a:rPr>
-              <a:t>buffer address</a:t>
-            </a:r>
-            <a:r>
-              <a:rPr lang="en-US" altLang="zh-CN" sz="2800"/>
-              <a:t>, </a:t>
-            </a:r>
-            <a:r>
-              <a:rPr lang="en-US" altLang="zh-CN" sz="2800">
-                <a:solidFill>
-                  <a:schemeClr val="bg1">
-                    <a:lumMod val="75000"/>
-                  </a:schemeClr>
-                </a:solidFill>
-              </a:rPr>
-              <a:t>need size</a:t>
-            </a:r>
-            <a:r>
-              <a:rPr lang="en-US" altLang="zh-CN" sz="2800"/>
-              <a:t>, </a:t>
-            </a:r>
-            <a:r>
-              <a:rPr lang="en-US" altLang="zh-CN" sz="2800" smtClean="0">
-                <a:solidFill>
-                  <a:schemeClr val="accent2"/>
-                </a:solidFill>
-              </a:rPr>
-              <a:t>userdata</a:t>
-            </a:r>
-            <a:endParaRPr lang="en-US" altLang="zh-CN" sz="2800">
-              <a:solidFill>
-                <a:schemeClr val="accent2"/>
-              </a:solidFill>
-            </a:endParaRPr>
-          </a:p>
-        </p:txBody>
-      </p:sp>
-      <p:sp>
-        <p:nvSpPr>
-          <p:cNvPr id="19" name="文本框 18"/>
-          <p:cNvSpPr txBox="1"/>
-          <p:nvPr/>
-        </p:nvSpPr>
-        <p:spPr>
-          <a:xfrm>
-            <a:off x="2993369" y="2622733"/>
-            <a:ext cx="2140651" cy="523220"/>
-          </a:xfrm>
-          <a:prstGeom prst="rect">
-            <a:avLst/>
-          </a:prstGeom>
-          <a:noFill/>
-        </p:spPr>
-        <p:txBody>
-          <a:bodyPr wrap="none" rtlCol="0">
-            <a:spAutoFit/>
-          </a:bodyPr>
-          <a:lstStyle/>
-          <a:p>
-            <a:r>
-              <a:rPr lang="en-US" altLang="zh-CN" sz="2800" smtClean="0"/>
-              <a:t>1. </a:t>
-            </a:r>
-            <a:r>
-              <a:rPr lang="en-US" altLang="zh-CN" sz="2800">
-                <a:solidFill>
-                  <a:schemeClr val="accent2"/>
-                </a:solidFill>
-              </a:rPr>
-              <a:t>buffer_size</a:t>
-            </a:r>
-            <a:endParaRPr lang="en-US" altLang="zh-CN" sz="2800" smtClean="0">
+            <a:endParaRPr lang="en-US" altLang="zh-CN" sz="2800" dirty="0" smtClean="0">
               <a:solidFill>
                 <a:schemeClr val="accent2"/>
               </a:solidFill>
@@ -5840,42 +5840,30 @@
               <a:buNone/>
             </a:pPr>
             <a:r>
-              <a:rPr lang="en-US" altLang="zh-CN"/>
+              <a:rPr lang="en-US" altLang="zh-CN" dirty="0"/>
               <a:t>SDL_AudioSpec   </a:t>
             </a:r>
             <a:r>
-              <a:rPr lang="en-US" altLang="zh-CN" err="1" smtClean="0"/>
+              <a:rPr lang="en-US" altLang="zh-CN" dirty="0" smtClean="0"/>
               <a:t>wanted_spec</a:t>
             </a:r>
             <a:r>
-              <a:rPr lang="en-US" altLang="zh-CN"/>
+              <a:rPr lang="en-US" altLang="zh-CN" dirty="0"/>
               <a:t>, spec;</a:t>
             </a:r>
-            <a:endParaRPr lang="en-US" altLang="zh-CN" smtClean="0"/>
+            <a:endParaRPr lang="en-US" altLang="zh-CN" dirty="0" smtClean="0"/>
           </a:p>
           <a:p>
             <a:pPr marL="0" indent="0">
               <a:buNone/>
             </a:pPr>
             <a:r>
-              <a:rPr lang="en-US" altLang="zh-CN" err="1" smtClean="0"/>
-              <a:t>wanted_spec.freq</a:t>
-            </a:r>
-            <a:r>
-              <a:rPr lang="en-US" altLang="zh-CN" smtClean="0"/>
-              <a:t> </a:t>
-            </a:r>
-            <a:r>
-              <a:rPr lang="en-US" altLang="zh-CN"/>
-              <a:t>= </a:t>
-            </a:r>
-            <a:r>
-              <a:rPr lang="en-US" altLang="zh-CN" err="1"/>
-              <a:t>aCodecCtx</a:t>
-            </a:r>
-            <a:r>
-              <a:rPr lang="en-US" altLang="zh-CN"/>
-              <a:t>-&gt;sample_rate;</a:t>
+              <a:rPr lang="en-US" altLang="zh-CN" dirty="0" smtClean="0"/>
+              <a:t>wanted_spec.freq </a:t>
+            </a:r>
+            <a:r>
+              <a:rPr lang="en-US" altLang="zh-CN" dirty="0"/>
+              <a:t>= aCodecCtx-&gt;sample_rate;</a:t>
             </a:r>
           </a:p>
           <a:p>
@@ -5883,12 +5871,8 @@
               <a:buNone/>
             </a:pPr>
             <a:r>
-              <a:rPr lang="en-US" altLang="zh-CN" err="1"/>
-              <a:t>wanted_spec.format</a:t>
-            </a:r>
-            <a:r>
-              <a:rPr lang="en-US" altLang="zh-CN"/>
-              <a:t> = AUDIO_S16SYS;</a:t>
+              <a:rPr lang="en-US" altLang="zh-CN" dirty="0"/>
+              <a:t>wanted_spec.format = AUDIO_S16SYS;</a:t>
             </a:r>
           </a:p>
           <a:p>
@@ -5896,20 +5880,8 @@
               <a:buNone/>
             </a:pPr>
             <a:r>
-              <a:rPr lang="en-US" altLang="zh-CN" err="1"/>
-              <a:t>wanted_spec.channels</a:t>
-            </a:r>
-            <a:r>
-              <a:rPr lang="en-US" altLang="zh-CN"/>
-              <a:t> = </a:t>
-            </a:r>
-            <a:r>
-              <a:rPr lang="en-US" altLang="zh-CN" err="1"/>
-              <a:t>aCodecCtx</a:t>
-            </a:r>
-            <a:r>
-              <a:rPr lang="en-US" altLang="zh-CN"/>
-              <a:t>-&gt;channels;</a:t>
+              <a:rPr lang="en-US" altLang="zh-CN" dirty="0"/>
+              <a:t>wanted_spec.channels = aCodecCtx-&gt;channels;</a:t>
             </a:r>
           </a:p>
           <a:p>
@@ -5917,38 +5889,22 @@
               <a:buNone/>
             </a:pPr>
             <a:r>
-              <a:rPr lang="en-US" altLang="zh-CN" err="1"/>
-              <a:t>wanted_spec.samples</a:t>
-            </a:r>
-            <a:r>
-              <a:rPr lang="en-US" altLang="zh-CN"/>
-              <a:t> = </a:t>
-            </a:r>
-            <a:r>
-              <a:rPr lang="en-US" altLang="zh-CN" smtClean="0"/>
+              <a:rPr lang="en-US" altLang="zh-CN" dirty="0"/>
+              <a:t>wanted_spec.samples = </a:t>
+            </a:r>
+            <a:r>
+              <a:rPr lang="en-US" altLang="zh-CN" dirty="0" smtClean="0"/>
               <a:t>1024;</a:t>
             </a:r>
-            <a:endParaRPr lang="en-US" altLang="zh-CN"/>
+            <a:endParaRPr lang="en-US" altLang="zh-CN" dirty="0"/>
           </a:p>
           <a:p>
             <a:pPr marL="0" indent="0">
               <a:buNone/>
             </a:pPr>
             <a:r>
-              <a:rPr lang="en-US" altLang="zh-CN" err="1"/>
-              <a:t>wanted_spec.callback</a:t>
-            </a:r>
-            <a:r>
-              <a:rPr lang="en-US" altLang="zh-CN"/>
-              <a:t> = </a:t>
-            </a:r>
-            <a:r>
-              <a:rPr lang="en-US" altLang="zh-CN" err="1"/>
-              <a:t>audio_callback</a:t>
-            </a:r>
-            <a:r>
-              <a:rPr lang="en-US" altLang="zh-CN"/>
-              <a:t>;</a:t>
+              <a:rPr lang="en-US" altLang="zh-CN" dirty="0"/>
+              <a:t>wanted_spec.callback = audio_callback;</a:t>
             </a:r>
           </a:p>
           <a:p>
@@ -5956,20 +5912,12 @@
               <a:buNone/>
             </a:pPr>
             <a:r>
-              <a:rPr lang="en-US" altLang="zh-CN" err="1"/>
-              <a:t>wanted_spec.userdata</a:t>
-            </a:r>
-            <a:r>
-              <a:rPr lang="en-US" altLang="zh-CN"/>
-              <a:t> = </a:t>
-            </a:r>
-            <a:r>
-              <a:rPr lang="en-US" altLang="zh-CN" err="1" smtClean="0"/>
-              <a:t>aCodecCtx</a:t>
-            </a:r>
-            <a:r>
-              <a:rPr lang="en-US" altLang="zh-CN" smtClean="0"/>
-              <a:t>;</a:t>
+              <a:rPr lang="en-US" altLang="zh-CN" dirty="0"/>
+              <a:t>wanted_spec.userdata = </a:t>
+            </a:r>
+            <a:r>
+              <a:rPr lang="en-US" altLang="zh-CN" dirty="0" smtClean="0"/>
+              <a:t>aCodecCtx;</a:t>
             </a:r>
           </a:p>
           <a:p>
@@ -5977,35 +5925,11 @@
               <a:buNone/>
             </a:pPr>
             <a:r>
-              <a:rPr lang="en-US" altLang="zh-CN"/>
-              <a:t>void </a:t>
-            </a:r>
-            <a:r>
-              <a:rPr lang="en-US" altLang="zh-CN" err="1"/>
-              <a:t>audio_callback</a:t>
-            </a:r>
-            <a:r>
-              <a:rPr lang="en-US" altLang="zh-CN"/>
-              <a:t>(void *userdata, Uint8 *stream, </a:t>
-            </a:r>
-            <a:r>
-              <a:rPr lang="en-US" altLang="zh-CN" err="1"/>
-              <a:t>int</a:t>
-            </a:r>
-            <a:r>
-              <a:rPr lang="en-US" altLang="zh-CN"/>
-              <a:t> </a:t>
-            </a:r>
-            <a:r>
-              <a:rPr lang="en-US" altLang="zh-CN" err="1"/>
-              <a:t>len</a:t>
-            </a:r>
-            <a:r>
-              <a:rPr lang="en-US" altLang="zh-CN"/>
-              <a:t>) </a:t>
-            </a:r>
-            <a:r>
-              <a:rPr lang="en-US" altLang="zh-CN" smtClean="0"/>
+              <a:rPr lang="en-US" altLang="zh-CN" dirty="0"/>
+              <a:t>void audio_callback(void *userdata, Uint8 *stream, int len) </a:t>
+            </a:r>
+            <a:r>
+              <a:rPr lang="en-US" altLang="zh-CN" dirty="0" smtClean="0"/>
               <a:t>{…}</a:t>
             </a:r>
           </a:p>
@@ -6014,23 +5938,11 @@
               <a:buNone/>
             </a:pPr>
             <a:r>
-              <a:rPr lang="en-US" altLang="zh-CN" err="1"/>
-              <a:t>SDL_OpenAudio</a:t>
-            </a:r>
-            <a:r>
-              <a:rPr lang="en-US" altLang="zh-CN"/>
-              <a:t>(&amp;</a:t>
-            </a:r>
-            <a:r>
-              <a:rPr lang="en-US" altLang="zh-CN" err="1"/>
-              <a:t>wanted_spec</a:t>
-            </a:r>
-            <a:r>
-              <a:rPr lang="en-US" altLang="zh-CN"/>
-              <a:t>, &amp;spec</a:t>
-            </a:r>
-            <a:r>
-              <a:rPr lang="en-US" altLang="zh-CN" smtClean="0"/>
+              <a:rPr lang="en-US" altLang="zh-CN" dirty="0"/>
+              <a:t>SDL_OpenAudio(&amp;wanted_spec, &amp;spec</a:t>
+            </a:r>
+            <a:r>
+              <a:rPr lang="en-US" altLang="zh-CN" dirty="0" smtClean="0"/>
               <a:t>);</a:t>
             </a:r>
           </a:p>
@@ -6039,14 +5951,10 @@
               <a:buNone/>
             </a:pPr>
             <a:r>
-              <a:rPr lang="en-US" altLang="zh-CN" err="1"/>
-              <a:t>SDL_PauseAudio</a:t>
-            </a:r>
-            <a:r>
-              <a:rPr lang="en-US" altLang="zh-CN"/>
-              <a:t>(0);</a:t>
-            </a:r>
-            <a:endParaRPr lang="zh-CN" altLang="en-US"/>
+              <a:rPr lang="en-US" altLang="zh-CN" dirty="0"/>
+              <a:t>SDL_PauseAudio(0);</a:t>
+            </a:r>
+            <a:endParaRPr lang="zh-CN" altLang="en-US" dirty="0"/>
           </a:p>
         </p:txBody>
       </p:sp>
@@ -6101,73 +6009,61 @@
           <a:lstStyle/>
           <a:p>
             <a:r>
-              <a:rPr lang="zh-CN" altLang="en-US" smtClean="0"/>
+              <a:rPr lang="zh-CN" altLang="en-US" dirty="0" smtClean="0"/>
               <a:t>设置 </a:t>
             </a:r>
             <a:r>
-              <a:rPr lang="en-US" altLang="zh-CN" smtClean="0"/>
+              <a:rPr lang="en-US" altLang="zh-CN" dirty="0" smtClean="0"/>
               <a:t>SDL_AudioSpec </a:t>
             </a:r>
           </a:p>
           <a:p>
             <a:r>
-              <a:rPr lang="zh-CN" altLang="en-US" smtClean="0"/>
+              <a:rPr lang="zh-CN" altLang="en-US" dirty="0" smtClean="0"/>
               <a:t>实现 </a:t>
             </a:r>
             <a:r>
-              <a:rPr lang="en-US" altLang="zh-CN" smtClean="0"/>
+              <a:rPr lang="en-US" altLang="zh-CN" dirty="0" smtClean="0"/>
               <a:t>callback </a:t>
             </a:r>
             <a:r>
-              <a:rPr lang="zh-CN" altLang="en-US" smtClean="0"/>
+              <a:rPr lang="zh-CN" altLang="en-US" dirty="0" smtClean="0"/>
               <a:t>函数</a:t>
             </a:r>
-            <a:endParaRPr lang="en-US" altLang="zh-CN" smtClean="0"/>
-          </a:p>
-          <a:p>
-            <a:r>
-              <a:rPr lang="zh-CN" altLang="en-US" smtClean="0"/>
+            <a:endParaRPr lang="en-US" altLang="zh-CN" dirty="0" smtClean="0"/>
+          </a:p>
+          <a:p>
+            <a:r>
+              <a:rPr lang="zh-CN" altLang="en-US" dirty="0" smtClean="0"/>
               <a:t>打开音频设备：</a:t>
             </a:r>
             <a:r>
-              <a:rPr lang="en-US" altLang="zh-CN" err="1" smtClean="0"/>
+              <a:rPr lang="en-US" altLang="zh-CN" dirty="0" smtClean="0"/>
               <a:t>SDL_OpenAudio</a:t>
             </a:r>
             <a:r>
-              <a:rPr lang="en-US" altLang="zh-CN"/>
-              <a:t>(&amp;</a:t>
-            </a:r>
-            <a:r>
-              <a:rPr lang="en-US" altLang="zh-CN" err="1"/>
-              <a:t>wanted_spec</a:t>
-            </a:r>
-            <a:r>
-              <a:rPr lang="en-US" altLang="zh-CN"/>
-              <a:t>, &amp;spec</a:t>
-            </a:r>
-            <a:r>
-              <a:rPr lang="en-US" altLang="zh-CN" smtClean="0"/>
+              <a:rPr lang="en-US" altLang="zh-CN" dirty="0"/>
+              <a:t>(&amp;wanted_spec, &amp;spec</a:t>
+            </a:r>
+            <a:r>
+              <a:rPr lang="en-US" altLang="zh-CN" dirty="0" smtClean="0"/>
               <a:t>);</a:t>
             </a:r>
           </a:p>
           <a:p>
             <a:r>
-              <a:rPr lang="zh-CN" altLang="en-US" smtClean="0"/>
+              <a:rPr lang="zh-CN" altLang="en-US" dirty="0" smtClean="0"/>
               <a:t>开始播放音频：</a:t>
             </a:r>
             <a:r>
-              <a:rPr lang="en-US" altLang="zh-CN" err="1" smtClean="0"/>
-              <a:t>SDL_PauseAudio</a:t>
-            </a:r>
-            <a:r>
-              <a:rPr lang="en-US" altLang="zh-CN" smtClean="0"/>
-              <a:t>(0</a:t>
-            </a:r>
-            <a:r>
-              <a:rPr lang="en-US" altLang="zh-CN"/>
+              <a:rPr lang="en-US" altLang="zh-CN" dirty="0" smtClean="0"/>
+              <a:t>SDL_PauseAudio(0</a:t>
+            </a:r>
+            <a:r>
+              <a:rPr lang="en-US" altLang="zh-CN" dirty="0"/>
               <a:t>);</a:t>
             </a:r>
-            <a:endParaRPr lang="zh-CN" altLang="en-US"/>
+            <a:endParaRPr lang="zh-CN" altLang="en-US" dirty="0"/>
           </a:p>
         </p:txBody>
       </p:sp>
@@ -6210,7 +6106,7 @@
         <p:spPr>
           <a:xfrm>
             <a:off x="5374256" y="1000666"/>
-            <a:ext cx="1971374" cy="923330"/>
+            <a:ext cx="2115644" cy="923330"/>
           </a:xfrm>
           <a:prstGeom prst="rect">
             <a:avLst/>
@@ -6236,20 +6132,33 @@
           </a:bodyPr>
           <a:lstStyle/>
           <a:p>
-            <a:endParaRPr lang="en-US" altLang="zh-CN" smtClean="0"/>
-          </a:p>
-          <a:p>
-            <a:r>
-              <a:rPr lang="zh-CN" altLang="en-US" smtClean="0"/>
-              <a:t>    读一个 </a:t>
-            </a:r>
-            <a:r>
-              <a:rPr lang="en-US" altLang="zh-CN" smtClean="0"/>
-              <a:t>packet    </a:t>
-            </a:r>
-          </a:p>
-          <a:p>
-            <a:endParaRPr lang="zh-CN" altLang="en-US"/>
+            <a:endParaRPr lang="en-US" altLang="zh-CN" dirty="0" smtClean="0"/>
+          </a:p>
+          <a:p>
+            <a:r>
+              <a:rPr lang="zh-CN" altLang="en-US" dirty="0" smtClean="0"/>
+              <a:t> </a:t>
+            </a:r>
+            <a:r>
+              <a:rPr lang="zh-CN" altLang="en-US" dirty="0" smtClean="0"/>
+              <a:t>读</a:t>
+            </a:r>
+            <a:r>
+              <a:rPr lang="zh-CN" altLang="en-US" dirty="0" smtClean="0"/>
+              <a:t>一</a:t>
+            </a:r>
+            <a:r>
+              <a:rPr lang="zh-CN" altLang="en-US" dirty="0" smtClean="0"/>
+              <a:t>个视频 </a:t>
+            </a:r>
+            <a:r>
+              <a:rPr lang="en-US" altLang="zh-CN" dirty="0" smtClean="0"/>
+              <a:t>packet</a:t>
+            </a:r>
+            <a:endParaRPr lang="en-US" altLang="zh-CN" dirty="0" smtClean="0"/>
+          </a:p>
+          <a:p>
+            <a:endParaRPr lang="zh-CN" altLang="en-US" dirty="0"/>
           </a:p>
         </p:txBody>
       </p:sp>
@@ -6261,7 +6170,7 @@
         </p:nvSpPr>
         <p:spPr>
           <a:xfrm>
-            <a:off x="5357003" y="2622433"/>
+            <a:off x="5443263" y="2622433"/>
             <a:ext cx="2000932" cy="923330"/>
           </a:xfrm>
           <a:prstGeom prst="rect">
@@ -6288,20 +6197,20 @@
           </a:bodyPr>
           <a:lstStyle/>
           <a:p>
-            <a:endParaRPr lang="en-US" altLang="zh-CN" smtClean="0"/>
-          </a:p>
-          <a:p>
-            <a:r>
-              <a:rPr lang="zh-CN" altLang="en-US" smtClean="0"/>
+            <a:endParaRPr lang="en-US" altLang="zh-CN" dirty="0" smtClean="0"/>
+          </a:p>
+          <a:p>
+            <a:r>
+              <a:rPr lang="zh-CN" altLang="en-US" dirty="0" smtClean="0"/>
               <a:t> 解码成视频 </a:t>
             </a:r>
             <a:r>
-              <a:rPr lang="en-US" altLang="zh-CN" smtClean="0"/>
+              <a:rPr lang="en-US" altLang="zh-CN" dirty="0" smtClean="0"/>
               <a:t>frame</a:t>
             </a:r>
           </a:p>
           <a:p>
-            <a:endParaRPr lang="zh-CN" altLang="en-US"/>
+            <a:endParaRPr lang="zh-CN" altLang="en-US" dirty="0"/>
           </a:p>
         </p:txBody>
       </p:sp>
@@ -6313,7 +6222,7 @@
         </p:nvSpPr>
         <p:spPr>
           <a:xfrm>
-            <a:off x="5345840" y="4149308"/>
+            <a:off x="5432100" y="4149308"/>
             <a:ext cx="2034596" cy="923330"/>
           </a:xfrm>
           <a:prstGeom prst="rect">
@@ -6340,25 +6249,25 @@
           </a:bodyPr>
           <a:lstStyle/>
           <a:p>
-            <a:endParaRPr lang="en-US" altLang="zh-CN" smtClean="0"/>
-          </a:p>
-          <a:p>
-            <a:r>
-              <a:rPr lang="zh-CN" altLang="en-US" smtClean="0"/>
+            <a:endParaRPr lang="en-US" altLang="zh-CN" dirty="0" smtClean="0"/>
+          </a:p>
+          <a:p>
+            <a:r>
+              <a:rPr lang="zh-CN" altLang="en-US" dirty="0" smtClean="0"/>
               <a:t>   显示视频 </a:t>
             </a:r>
             <a:r>
-              <a:rPr lang="en-US" altLang="zh-CN" smtClean="0"/>
+              <a:rPr lang="en-US" altLang="zh-CN" dirty="0" smtClean="0"/>
               <a:t>frame  </a:t>
             </a:r>
             <a:r>
-              <a:rPr lang="zh-CN" altLang="en-US" smtClean="0"/>
+              <a:rPr lang="zh-CN" altLang="en-US" dirty="0" smtClean="0"/>
               <a:t> </a:t>
             </a:r>
-            <a:endParaRPr lang="en-US" altLang="zh-CN" smtClean="0"/>
-          </a:p>
-          <a:p>
-            <a:endParaRPr lang="zh-CN" altLang="en-US"/>
+            <a:endParaRPr lang="en-US" altLang="zh-CN" dirty="0" smtClean="0"/>
+          </a:p>
+          <a:p>
+            <a:endParaRPr lang="zh-CN" altLang="en-US" dirty="0"/>
           </a:p>
         </p:txBody>
       </p:sp>
@@ -6372,9 +6281,9 @@
           <p:nvPr/>
         </p:nvCxnSpPr>
         <p:spPr>
-          <a:xfrm flipH="1">
-            <a:off x="6357469" y="1923996"/>
-            <a:ext cx="2474" cy="698437"/>
+          <a:xfrm>
+            <a:off x="6432078" y="1923996"/>
+            <a:ext cx="11651" cy="698437"/>
           </a:xfrm>
           <a:prstGeom prst="straightConnector1">
             <a:avLst/>
@@ -6409,7 +6318,7 @@
         </p:nvCxnSpPr>
         <p:spPr>
           <a:xfrm>
-            <a:off x="6357469" y="3545763"/>
+            <a:off x="6443729" y="3545763"/>
             <a:ext cx="5669" cy="603545"/>
           </a:xfrm>
           <a:prstGeom prst="straightConnector1">
@@ -6444,8 +6353,8 @@
         </p:nvCxnSpPr>
         <p:spPr>
           <a:xfrm rot="5400000" flipH="1" flipV="1">
-            <a:off x="3053708" y="2290426"/>
-            <a:ext cx="3148642" cy="1492453"/>
+            <a:off x="3053705" y="2290429"/>
+            <a:ext cx="3148648" cy="1492453"/>
           </a:xfrm>
           <a:prstGeom prst="bentConnector2">
             <a:avLst/>
@@ -6478,9 +6387,9 @@
           <p:nvPr/>
         </p:nvCxnSpPr>
         <p:spPr>
-          <a:xfrm>
-            <a:off x="3884846" y="4610973"/>
-            <a:ext cx="1460994" cy="0"/>
+          <a:xfrm flipV="1">
+            <a:off x="3881802" y="4610973"/>
+            <a:ext cx="1550298" cy="7"/>
           </a:xfrm>
           <a:prstGeom prst="line">
             <a:avLst/>
@@ -6537,18 +6446,18 @@
           <a:lstStyle/>
           <a:p>
             <a:r>
-              <a:rPr lang="en-US" altLang="zh-CN" smtClean="0"/>
+              <a:rPr lang="en-US" altLang="zh-CN" dirty="0" smtClean="0"/>
               <a:t>sleep 1</a:t>
             </a:r>
             <a:r>
-              <a:rPr lang="en-US" altLang="zh-CN"/>
+              <a:rPr lang="en-US" altLang="zh-CN" dirty="0"/>
               <a:t>/</a:t>
             </a:r>
             <a:r>
-              <a:rPr lang="zh-CN" altLang="en-US" smtClean="0"/>
+              <a:rPr lang="zh-CN" altLang="en-US" dirty="0" smtClean="0"/>
               <a:t>帧率</a:t>
             </a:r>
-            <a:endParaRPr lang="zh-CN" altLang="en-US"/>
+            <a:endParaRPr lang="zh-CN" altLang="en-US" dirty="0"/>
           </a:p>
         </p:txBody>
       </p:sp>
@@ -6617,20 +6526,20 @@
           </a:bodyPr>
           <a:lstStyle/>
           <a:p>
-            <a:endParaRPr lang="en-US" altLang="zh-CN" smtClean="0"/>
-          </a:p>
-          <a:p>
-            <a:r>
-              <a:rPr lang="zh-CN" altLang="en-US" smtClean="0"/>
+            <a:endParaRPr lang="en-US" altLang="zh-CN" dirty="0" smtClean="0"/>
+          </a:p>
+          <a:p>
+            <a:r>
+              <a:rPr lang="zh-CN" altLang="en-US" dirty="0" smtClean="0"/>
               <a:t>    读一个 </a:t>
             </a:r>
             <a:r>
-              <a:rPr lang="en-US" altLang="zh-CN" smtClean="0"/>
+              <a:rPr lang="en-US" altLang="zh-CN" dirty="0" smtClean="0"/>
               <a:t>packet    </a:t>
             </a:r>
           </a:p>
           <a:p>
-            <a:endParaRPr lang="zh-CN" altLang="en-US"/>
+            <a:endParaRPr lang="zh-CN" altLang="en-US" dirty="0"/>
           </a:p>
         </p:txBody>
       </p:sp>
@@ -6642,8 +6551,8 @@
         </p:nvSpPr>
         <p:spPr>
           <a:xfrm>
-            <a:off x="2932980" y="2743203"/>
-            <a:ext cx="2000932" cy="923330"/>
+            <a:off x="2911761" y="4162095"/>
+            <a:ext cx="2009846" cy="923330"/>
           </a:xfrm>
           <a:prstGeom prst="rect">
             <a:avLst/>
@@ -6669,89 +6578,29 @@
           </a:bodyPr>
           <a:lstStyle/>
           <a:p>
-            <a:endParaRPr lang="en-US" altLang="zh-CN" smtClean="0"/>
-          </a:p>
-          <a:p>
-            <a:r>
-              <a:rPr lang="zh-CN" altLang="en-US" smtClean="0"/>
-              <a:t> 解码成</a:t>
-            </a:r>
-            <a:r>
-              <a:rPr lang="zh-CN" altLang="en-US"/>
+            <a:endParaRPr lang="en-US" altLang="zh-CN" dirty="0" smtClean="0"/>
+          </a:p>
+          <a:p>
+            <a:r>
+              <a:rPr lang="zh-CN" altLang="en-US" dirty="0" smtClean="0"/>
+              <a:t> </a:t>
+            </a:r>
+            <a:r>
+              <a:rPr lang="zh-CN" altLang="en-US" dirty="0" smtClean="0"/>
               <a:t>音频</a:t>
             </a:r>
             <a:r>
-              <a:rPr lang="zh-CN" altLang="en-US" smtClean="0"/>
-              <a:t> </a:t>
-            </a:r>
-            <a:r>
-              <a:rPr lang="en-US" altLang="zh-CN" smtClean="0"/>
-              <a:t>frame</a:t>
-            </a:r>
-          </a:p>
-          <a:p>
-            <a:endParaRPr lang="zh-CN" altLang="en-US"/>
-          </a:p>
-        </p:txBody>
-      </p:sp>
-      <p:sp>
-        <p:nvSpPr>
-          <p:cNvPr id="6" name="文本框 5"/>
-          <p:cNvSpPr txBox="1"/>
-          <p:nvPr/>
-        </p:nvSpPr>
-        <p:spPr>
-          <a:xfrm>
-            <a:off x="2887313" y="4270078"/>
-            <a:ext cx="2106731" cy="923330"/>
-          </a:xfrm>
-          <a:prstGeom prst="rect">
-            <a:avLst/>
-          </a:prstGeom>
-        </p:spPr>
-        <p:style>
-          <a:lnRef idx="2">
-            <a:schemeClr val="dk1"/>
-          </a:lnRef>
-          <a:fillRef idx="1">
-            <a:schemeClr val="lt1"/>
-          </a:fillRef>
-          <a:effectRef idx="0">
-            <a:schemeClr val="dk1"/>
-          </a:effectRef>
-          <a:fontRef idx="minor">
-            <a:schemeClr val="dk1"/>
-          </a:fontRef>
-        </p:style>
-        <p:txBody>
-          <a:bodyPr wrap="none" rtlCol="0">
-            <a:spAutoFit/>
-          </a:bodyPr>
-          <a:lstStyle/>
-          <a:p>
-            <a:endParaRPr lang="en-US" altLang="zh-CN" smtClean="0"/>
-          </a:p>
-          <a:p>
-            <a:r>
-              <a:rPr lang="zh-CN" altLang="en-US" smtClean="0"/>
-              <a:t> 音频 </a:t>
-            </a:r>
-            <a:r>
-              <a:rPr lang="en-US" altLang="zh-CN" smtClean="0"/>
-              <a:t>frame </a:t>
-            </a:r>
-            <a:r>
-              <a:rPr lang="zh-CN" altLang="en-US"/>
-              <a:t>入</a:t>
-            </a:r>
-            <a:r>
-              <a:rPr lang="zh-CN" altLang="en-US" smtClean="0"/>
-              <a:t>队列</a:t>
-            </a:r>
-            <a:endParaRPr lang="en-US" altLang="zh-CN" smtClean="0"/>
-          </a:p>
-          <a:p>
-            <a:endParaRPr lang="zh-CN" altLang="en-US"/>
+              <a:rPr lang="en-US" altLang="zh-CN" dirty="0" smtClean="0"/>
+              <a:t>packet</a:t>
+            </a:r>
+            <a:r>
+              <a:rPr lang="zh-CN" altLang="en-US" dirty="0" smtClean="0"/>
+              <a:t>入队列</a:t>
+            </a:r>
+            <a:endParaRPr lang="en-US" altLang="zh-CN" dirty="0" smtClean="0"/>
+          </a:p>
+          <a:p>
+            <a:endParaRPr lang="zh-CN" altLang="en-US" dirty="0"/>
           </a:p>
         </p:txBody>
       </p:sp>
@@ -6766,44 +6615,8 @@
         </p:nvCxnSpPr>
         <p:spPr>
           <a:xfrm flipH="1">
-            <a:off x="3933446" y="2044766"/>
-            <a:ext cx="2474" cy="698437"/>
-          </a:xfrm>
-          <a:prstGeom prst="straightConnector1">
-            <a:avLst/>
-          </a:prstGeom>
-          <a:ln>
-            <a:tailEnd type="triangle"/>
-          </a:ln>
-        </p:spPr>
-        <p:style>
-          <a:lnRef idx="1">
-            <a:schemeClr val="accent1"/>
-          </a:lnRef>
-          <a:fillRef idx="0">
-            <a:schemeClr val="accent1"/>
-          </a:fillRef>
-          <a:effectRef idx="0">
-            <a:schemeClr val="accent1"/>
-          </a:effectRef>
-          <a:fontRef idx="minor">
-            <a:schemeClr val="tx1"/>
-          </a:fontRef>
-        </p:style>
-      </p:cxnSp>
-      <p:cxnSp>
-        <p:nvCxnSpPr>
-          <p:cNvPr id="8" name="直接箭头连接符 7"/>
-          <p:cNvCxnSpPr>
-            <a:stCxn id="5" idx="2"/>
-            <a:endCxn id="6" idx="0"/>
-          </p:cNvCxnSpPr>
-          <p:nvPr/>
-        </p:nvCxnSpPr>
-        <p:spPr>
-          <a:xfrm>
-            <a:off x="3933446" y="3666533"/>
-            <a:ext cx="7233" cy="603545"/>
+            <a:off x="3916684" y="2044766"/>
+            <a:ext cx="19236" cy="2117329"/>
           </a:xfrm>
           <a:prstGeom prst="straightConnector1">
             <a:avLst/>
@@ -6865,9 +6678,7 @@
       <p:cxnSp>
         <p:nvCxnSpPr>
           <p:cNvPr id="10" name="直接连接符 9"/>
-          <p:cNvCxnSpPr>
-            <a:endCxn id="6" idx="1"/>
-          </p:cNvCxnSpPr>
+          <p:cNvCxnSpPr/>
           <p:nvPr/>
         </p:nvCxnSpPr>
         <p:spPr>
@@ -6896,14 +6707,14 @@
       </p:cxnSp>
       <p:sp>
         <p:nvSpPr>
-          <p:cNvPr id="11" name="文本框 10"/>
+          <p:cNvPr id="12" name="文本框 11"/>
           <p:cNvSpPr txBox="1"/>
           <p:nvPr/>
         </p:nvSpPr>
         <p:spPr>
           <a:xfrm>
-            <a:off x="7861491" y="2695757"/>
-            <a:ext cx="1410964" cy="923330"/>
+            <a:off x="7852865" y="1121436"/>
+            <a:ext cx="2262158" cy="892552"/>
           </a:xfrm>
           <a:prstGeom prst="rect">
             <a:avLst/>
@@ -6929,69 +6740,34 @@
           </a:bodyPr>
           <a:lstStyle/>
           <a:p>
-            <a:endParaRPr lang="en-US" altLang="zh-CN" smtClean="0"/>
-          </a:p>
-          <a:p>
-            <a:r>
-              <a:rPr lang="zh-CN" altLang="en-US" smtClean="0"/>
-              <a:t>给我</a:t>
-            </a:r>
-            <a:r>
-              <a:rPr lang="en-US" altLang="zh-CN" smtClean="0"/>
+            <a:endParaRPr lang="en-US" altLang="zh-CN" sz="1000" dirty="0" smtClean="0"/>
+          </a:p>
+          <a:p>
+            <a:r>
+              <a:rPr lang="zh-CN" altLang="en-US" dirty="0" smtClean="0"/>
+              <a:t>音频设备：播放音频</a:t>
+            </a:r>
+            <a:endParaRPr lang="en-US" altLang="zh-CN" dirty="0" smtClean="0"/>
+          </a:p>
+          <a:p>
+            <a:pPr algn="ctr"/>
+            <a:r>
+              <a:rPr lang="zh-CN" altLang="en-US" sz="1400" dirty="0" smtClean="0"/>
+              <a:t>（给我   </a:t>
+            </a:r>
+            <a:r>
+              <a:rPr lang="en-US" altLang="zh-CN" sz="1400" dirty="0" smtClean="0"/>
               <a:t>samples</a:t>
             </a:r>
-          </a:p>
-          <a:p>
-            <a:endParaRPr lang="zh-CN" altLang="en-US"/>
-          </a:p>
-        </p:txBody>
-      </p:sp>
-      <p:sp>
-        <p:nvSpPr>
-          <p:cNvPr id="12" name="文本框 11"/>
-          <p:cNvSpPr txBox="1"/>
-          <p:nvPr/>
-        </p:nvSpPr>
-        <p:spPr>
-          <a:xfrm>
-            <a:off x="7852865" y="1121436"/>
-            <a:ext cx="1425390" cy="923330"/>
-          </a:xfrm>
-          <a:prstGeom prst="rect">
-            <a:avLst/>
-          </a:prstGeom>
-        </p:spPr>
-        <p:style>
-          <a:lnRef idx="2">
-            <a:schemeClr val="dk1"/>
-          </a:lnRef>
-          <a:fillRef idx="1">
-            <a:schemeClr val="lt1"/>
-          </a:fillRef>
-          <a:effectRef idx="0">
-            <a:schemeClr val="dk1"/>
-          </a:effectRef>
-          <a:fontRef idx="minor">
-            <a:schemeClr val="dk1"/>
-          </a:fontRef>
-        </p:style>
-        <p:txBody>
-          <a:bodyPr wrap="none" rtlCol="0">
-            <a:spAutoFit/>
-          </a:bodyPr>
-          <a:lstStyle/>
-          <a:p>
-            <a:endParaRPr lang="en-US" altLang="zh-CN" smtClean="0"/>
-          </a:p>
-          <a:p>
-            <a:r>
-              <a:rPr lang="zh-CN" altLang="en-US" smtClean="0"/>
-              <a:t>   播放音频   </a:t>
-            </a:r>
-            <a:endParaRPr lang="en-US" altLang="zh-CN" smtClean="0"/>
-          </a:p>
-          <a:p>
-            <a:endParaRPr lang="zh-CN" altLang="en-US"/>
+            <a:r>
+              <a:rPr lang="zh-CN" altLang="en-US" sz="1400" dirty="0" smtClean="0"/>
+              <a:t>）</a:t>
+            </a:r>
+            <a:endParaRPr lang="en-US" altLang="zh-CN" sz="1400" dirty="0" smtClean="0"/>
+          </a:p>
+          <a:p>
+            <a:pPr algn="ctr"/>
+            <a:endParaRPr lang="zh-CN" altLang="en-US" sz="1000" dirty="0"/>
           </a:p>
         </p:txBody>
       </p:sp>
@@ -7004,9 +6780,9 @@
           <p:nvPr/>
         </p:nvCxnSpPr>
         <p:spPr>
-          <a:xfrm>
-            <a:off x="6740057" y="1583101"/>
-            <a:ext cx="1112808" cy="0"/>
+          <a:xfrm flipV="1">
+            <a:off x="6740057" y="1567712"/>
+            <a:ext cx="1112808" cy="15390"/>
           </a:xfrm>
           <a:prstGeom prst="straightConnector1">
             <a:avLst/>
@@ -7063,13 +6839,15 @@
       <p:cxnSp>
         <p:nvCxnSpPr>
           <p:cNvPr id="30" name="直接连接符 29"/>
-          <p:cNvCxnSpPr/>
+          <p:cNvCxnSpPr>
+            <a:endCxn id="22" idx="1"/>
+          </p:cNvCxnSpPr>
           <p:nvPr/>
         </p:nvCxnSpPr>
         <p:spPr>
           <a:xfrm>
-            <a:off x="6748683" y="5085425"/>
-            <a:ext cx="1112808" cy="0"/>
+            <a:off x="6748683" y="5076799"/>
+            <a:ext cx="1242849" cy="0"/>
           </a:xfrm>
           <a:prstGeom prst="line">
             <a:avLst/>
@@ -7095,14 +6873,14 @@
           <p:cNvPr id="33" name="直接箭头连接符 32"/>
           <p:cNvCxnSpPr>
             <a:stCxn id="12" idx="2"/>
-            <a:endCxn id="11" idx="0"/>
+            <a:endCxn id="37" idx="0"/>
           </p:cNvCxnSpPr>
           <p:nvPr/>
         </p:nvCxnSpPr>
         <p:spPr>
           <a:xfrm>
-            <a:off x="8565560" y="2044766"/>
-            <a:ext cx="1413" cy="650991"/>
+            <a:off x="8983944" y="2013988"/>
+            <a:ext cx="0" cy="837041"/>
           </a:xfrm>
           <a:prstGeom prst="straightConnector1">
             <a:avLst/>
@@ -7134,7 +6912,7 @@
         </p:nvSpPr>
         <p:spPr>
           <a:xfrm>
-            <a:off x="7526620" y="4382225"/>
+            <a:off x="7957028" y="2851029"/>
             <a:ext cx="2053832" cy="923330"/>
           </a:xfrm>
           <a:prstGeom prst="rect">
@@ -7161,44 +6939,98 @@
           </a:bodyPr>
           <a:lstStyle/>
           <a:p>
-            <a:endParaRPr lang="en-US" altLang="zh-CN" smtClean="0"/>
-          </a:p>
-          <a:p>
-            <a:r>
-              <a:rPr lang="zh-CN" altLang="en-US" smtClean="0"/>
+            <a:endParaRPr lang="en-US" altLang="zh-CN" dirty="0" smtClean="0"/>
+          </a:p>
+          <a:p>
+            <a:r>
+              <a:rPr lang="zh-CN" altLang="en-US" dirty="0" smtClean="0"/>
               <a:t> 音频 </a:t>
             </a:r>
             <a:r>
-              <a:rPr lang="en-US" altLang="zh-CN" smtClean="0"/>
-              <a:t>frame </a:t>
-            </a:r>
-            <a:r>
-              <a:rPr lang="zh-CN" altLang="en-US" smtClean="0"/>
+              <a:rPr lang="en-US" altLang="zh-CN" dirty="0" smtClean="0"/>
+              <a:t>packet</a:t>
+            </a:r>
+            <a:r>
+              <a:rPr lang="zh-CN" altLang="en-US" dirty="0" smtClean="0"/>
               <a:t>出</a:t>
             </a:r>
             <a:r>
-              <a:rPr lang="zh-CN" altLang="en-US" smtClean="0"/>
+              <a:rPr lang="zh-CN" altLang="en-US" dirty="0" smtClean="0"/>
               <a:t>队列</a:t>
             </a:r>
-            <a:endParaRPr lang="en-US" altLang="zh-CN" smtClean="0"/>
-          </a:p>
-          <a:p>
-            <a:endParaRPr lang="zh-CN" altLang="en-US"/>
+            <a:endParaRPr lang="en-US" altLang="zh-CN" dirty="0" smtClean="0"/>
+          </a:p>
+          <a:p>
+            <a:endParaRPr lang="zh-CN" altLang="en-US" dirty="0"/>
+          </a:p>
+        </p:txBody>
+      </p:sp>
+      <p:sp>
+        <p:nvSpPr>
+          <p:cNvPr id="22" name="文本框 21"/>
+          <p:cNvSpPr txBox="1"/>
+          <p:nvPr/>
+        </p:nvSpPr>
+        <p:spPr>
+          <a:xfrm>
+            <a:off x="7991532" y="4615134"/>
+            <a:ext cx="2000932" cy="923330"/>
+          </a:xfrm>
+          <a:prstGeom prst="rect">
+            <a:avLst/>
+          </a:prstGeom>
+        </p:spPr>
+        <p:style>
+          <a:lnRef idx="2">
+            <a:schemeClr val="dk1"/>
+          </a:lnRef>
+          <a:fillRef idx="1">
+            <a:schemeClr val="lt1"/>
+          </a:fillRef>
+          <a:effectRef idx="0">
+            <a:schemeClr val="dk1"/>
+          </a:effectRef>
+          <a:fontRef idx="minor">
+            <a:schemeClr val="dk1"/>
+          </a:fontRef>
+        </p:style>
+        <p:txBody>
+          <a:bodyPr wrap="none" rtlCol="0">
+            <a:spAutoFit/>
+          </a:bodyPr>
+          <a:lstStyle/>
+          <a:p>
+            <a:endParaRPr lang="en-US" altLang="zh-CN" dirty="0" smtClean="0"/>
+          </a:p>
+          <a:p>
+            <a:r>
+              <a:rPr lang="zh-CN" altLang="en-US" dirty="0" smtClean="0"/>
+              <a:t> 解码</a:t>
+            </a:r>
+            <a:r>
+              <a:rPr lang="zh-CN" altLang="en-US" dirty="0" smtClean="0"/>
+              <a:t>成音频 </a:t>
+            </a:r>
+            <a:r>
+              <a:rPr lang="en-US" altLang="zh-CN" dirty="0" smtClean="0"/>
+              <a:t>frame</a:t>
+            </a:r>
+          </a:p>
+          <a:p>
+            <a:endParaRPr lang="zh-CN" altLang="en-US" dirty="0"/>
           </a:p>
         </p:txBody>
       </p:sp>
       <p:cxnSp>
         <p:nvCxnSpPr>
-          <p:cNvPr id="41" name="直接箭头连接符 40"/>
-          <p:cNvCxnSpPr>
-            <a:stCxn id="11" idx="2"/>
-          </p:cNvCxnSpPr>
+          <p:cNvPr id="26" name="直接箭头连接符 25"/>
+          <p:cNvCxnSpPr/>
           <p:nvPr/>
         </p:nvCxnSpPr>
         <p:spPr>
           <a:xfrm>
-            <a:off x="8566973" y="3619087"/>
-            <a:ext cx="7213" cy="763138"/>
+            <a:off x="8975716" y="3774359"/>
+            <a:ext cx="0" cy="837041"/>
           </a:xfrm>
           <a:prstGeom prst="straightConnector1">
             <a:avLst/>

--- a/FFmpeg/slides/03/SDL-AUDIO.pptx
+++ b/FFmpeg/slides/03/SDL-AUDIO.pptx
@@ -251,7 +251,7 @@
           <a:p>
             <a:fld id="{5B7542EB-22E3-493C-96B7-C014E841213B}" type="datetimeFigureOut">
               <a:rPr lang="zh-CN" altLang="en-US" smtClean="0"/>
-              <a:t>2016/7/11</a:t>
+              <a:t>2016/7/12</a:t>
             </a:fld>
             <a:endParaRPr lang="zh-CN" altLang="en-US"/>
           </a:p>
@@ -421,7 +421,7 @@
           <a:p>
             <a:fld id="{5B7542EB-22E3-493C-96B7-C014E841213B}" type="datetimeFigureOut">
               <a:rPr lang="zh-CN" altLang="en-US" smtClean="0"/>
-              <a:t>2016/7/11</a:t>
+              <a:t>2016/7/12</a:t>
             </a:fld>
             <a:endParaRPr lang="zh-CN" altLang="en-US"/>
           </a:p>
@@ -601,7 +601,7 @@
           <a:p>
             <a:fld id="{5B7542EB-22E3-493C-96B7-C014E841213B}" type="datetimeFigureOut">
               <a:rPr lang="zh-CN" altLang="en-US" smtClean="0"/>
-              <a:t>2016/7/11</a:t>
+              <a:t>2016/7/12</a:t>
             </a:fld>
             <a:endParaRPr lang="zh-CN" altLang="en-US"/>
           </a:p>
@@ -771,7 +771,7 @@
           <a:p>
             <a:fld id="{5B7542EB-22E3-493C-96B7-C014E841213B}" type="datetimeFigureOut">
               <a:rPr lang="zh-CN" altLang="en-US" smtClean="0"/>
-              <a:t>2016/7/11</a:t>
+              <a:t>2016/7/12</a:t>
             </a:fld>
             <a:endParaRPr lang="zh-CN" altLang="en-US"/>
           </a:p>
@@ -1017,7 +1017,7 @@
           <a:p>
             <a:fld id="{5B7542EB-22E3-493C-96B7-C014E841213B}" type="datetimeFigureOut">
               <a:rPr lang="zh-CN" altLang="en-US" smtClean="0"/>
-              <a:t>2016/7/11</a:t>
+              <a:t>2016/7/12</a:t>
             </a:fld>
             <a:endParaRPr lang="zh-CN" altLang="en-US"/>
           </a:p>
@@ -1249,7 +1249,7 @@
           <a:p>
             <a:fld id="{5B7542EB-22E3-493C-96B7-C014E841213B}" type="datetimeFigureOut">
               <a:rPr lang="zh-CN" altLang="en-US" smtClean="0"/>
-              <a:t>2016/7/11</a:t>
+              <a:t>2016/7/12</a:t>
             </a:fld>
             <a:endParaRPr lang="zh-CN" altLang="en-US"/>
           </a:p>
@@ -1616,7 +1616,7 @@
           <a:p>
             <a:fld id="{5B7542EB-22E3-493C-96B7-C014E841213B}" type="datetimeFigureOut">
               <a:rPr lang="zh-CN" altLang="en-US" smtClean="0"/>
-              <a:t>2016/7/11</a:t>
+              <a:t>2016/7/12</a:t>
             </a:fld>
             <a:endParaRPr lang="zh-CN" altLang="en-US"/>
           </a:p>
@@ -1734,7 +1734,7 @@
           <a:p>
             <a:fld id="{5B7542EB-22E3-493C-96B7-C014E841213B}" type="datetimeFigureOut">
               <a:rPr lang="zh-CN" altLang="en-US" smtClean="0"/>
-              <a:t>2016/7/11</a:t>
+              <a:t>2016/7/12</a:t>
             </a:fld>
             <a:endParaRPr lang="zh-CN" altLang="en-US"/>
           </a:p>
@@ -1829,7 +1829,7 @@
           <a:p>
             <a:fld id="{5B7542EB-22E3-493C-96B7-C014E841213B}" type="datetimeFigureOut">
               <a:rPr lang="zh-CN" altLang="en-US" smtClean="0"/>
-              <a:t>2016/7/11</a:t>
+              <a:t>2016/7/12</a:t>
             </a:fld>
             <a:endParaRPr lang="zh-CN" altLang="en-US"/>
           </a:p>
@@ -2106,7 +2106,7 @@
           <a:p>
             <a:fld id="{5B7542EB-22E3-493C-96B7-C014E841213B}" type="datetimeFigureOut">
               <a:rPr lang="zh-CN" altLang="en-US" smtClean="0"/>
-              <a:t>2016/7/11</a:t>
+              <a:t>2016/7/12</a:t>
             </a:fld>
             <a:endParaRPr lang="zh-CN" altLang="en-US"/>
           </a:p>
@@ -2359,7 +2359,7 @@
           <a:p>
             <a:fld id="{5B7542EB-22E3-493C-96B7-C014E841213B}" type="datetimeFigureOut">
               <a:rPr lang="zh-CN" altLang="en-US" smtClean="0"/>
-              <a:t>2016/7/11</a:t>
+              <a:t>2016/7/12</a:t>
             </a:fld>
             <a:endParaRPr lang="zh-CN" altLang="en-US"/>
           </a:p>
@@ -2572,7 +2572,7 @@
           <a:p>
             <a:fld id="{5B7542EB-22E3-493C-96B7-C014E841213B}" type="datetimeFigureOut">
               <a:rPr lang="zh-CN" altLang="en-US" smtClean="0"/>
-              <a:t>2016/7/11</a:t>
+              <a:t>2016/7/12</a:t>
             </a:fld>
             <a:endParaRPr lang="zh-CN" altLang="en-US"/>
           </a:p>
@@ -5881,8 +5881,13 @@
             </a:pPr>
             <a:r>
               <a:rPr lang="en-US" altLang="zh-CN" dirty="0"/>
-              <a:t>wanted_spec.channels = aCodecCtx-&gt;channels;</a:t>
-            </a:r>
+              <a:t>wanted_spec.channels = </a:t>
+            </a:r>
+            <a:r>
+              <a:rPr lang="en-US" altLang="zh-CN" dirty="0" smtClean="0"/>
+              <a:t>2;</a:t>
+            </a:r>
+            <a:endParaRPr lang="en-US" altLang="zh-CN" dirty="0"/>
           </a:p>
           <a:p>
             <a:pPr marL="0" indent="0">
@@ -6137,25 +6142,12 @@
           <a:p>
             <a:r>
               <a:rPr lang="zh-CN" altLang="en-US" dirty="0" smtClean="0"/>
-              <a:t> </a:t>
-            </a:r>
-            <a:r>
-              <a:rPr lang="zh-CN" altLang="en-US" dirty="0" smtClean="0"/>
-              <a:t>读</a:t>
-            </a:r>
-            <a:r>
-              <a:rPr lang="zh-CN" altLang="en-US" dirty="0" smtClean="0"/>
-              <a:t>一</a:t>
-            </a:r>
-            <a:r>
-              <a:rPr lang="zh-CN" altLang="en-US" dirty="0" smtClean="0"/>
-              <a:t>个视频 </a:t>
+              <a:t> 读一个视频 </a:t>
             </a:r>
             <a:r>
               <a:rPr lang="en-US" altLang="zh-CN" dirty="0" smtClean="0"/>
               <a:t>packet</a:t>
             </a:r>
-            <a:endParaRPr lang="en-US" altLang="zh-CN" dirty="0" smtClean="0"/>
           </a:p>
           <a:p>
             <a:endParaRPr lang="zh-CN" altLang="en-US" dirty="0"/>
@@ -6583,11 +6575,7 @@
           <a:p>
             <a:r>
               <a:rPr lang="zh-CN" altLang="en-US" dirty="0" smtClean="0"/>
-              <a:t> </a:t>
-            </a:r>
-            <a:r>
-              <a:rPr lang="zh-CN" altLang="en-US" dirty="0" smtClean="0"/>
-              <a:t>音频</a:t>
+              <a:t> 音频</a:t>
             </a:r>
             <a:r>
               <a:rPr lang="en-US" altLang="zh-CN" dirty="0" smtClean="0"/>
@@ -6952,11 +6940,7 @@
             </a:r>
             <a:r>
               <a:rPr lang="zh-CN" altLang="en-US" dirty="0" smtClean="0"/>
-              <a:t>出</a:t>
-            </a:r>
-            <a:r>
-              <a:rPr lang="zh-CN" altLang="en-US" dirty="0" smtClean="0"/>
-              <a:t>队列</a:t>
+              <a:t>出队列</a:t>
             </a:r>
             <a:endParaRPr lang="en-US" altLang="zh-CN" dirty="0" smtClean="0"/>
           </a:p>
@@ -7005,11 +6989,7 @@
           <a:p>
             <a:r>
               <a:rPr lang="zh-CN" altLang="en-US" dirty="0" smtClean="0"/>
-              <a:t> 解码</a:t>
-            </a:r>
-            <a:r>
-              <a:rPr lang="zh-CN" altLang="en-US" dirty="0" smtClean="0"/>
-              <a:t>成音频 </a:t>
+              <a:t> 解码成音频 </a:t>
             </a:r>
             <a:r>
               <a:rPr lang="en-US" altLang="zh-CN" dirty="0" smtClean="0"/>
